--- a/SlideThuyetTrinh.pptx
+++ b/SlideThuyetTrinh.pptx
@@ -116,6 +116,11 @@
       </a:defRPr>
     </a:lvl9pPr>
   </p:defaultTextStyle>
+  <p:extLst>
+    <p:ext uri="{EFAFB233-063F-42B5-8137-9DF3F51BA10A}">
+      <p15:sldGuideLst xmlns:p15="http://schemas.microsoft.com/office/powerpoint/2012/main"/>
+    </p:ext>
+  </p:extLst>
 </p:presentation>
 </file>
 
@@ -270,7 +275,7 @@
           <a:p>
             <a:fld id="{32342A8F-7501-DF43-B346-58C651AE3918}" type="datetimeFigureOut">
               <a:rPr lang="en-US" smtClean="0"/>
-              <a:t>7/9/19</a:t>
+              <a:t>7/10/19</a:t>
             </a:fld>
             <a:endParaRPr lang="en-US"/>
           </a:p>
@@ -481,7 +486,7 @@
           <a:p>
             <a:fld id="{32342A8F-7501-DF43-B346-58C651AE3918}" type="datetimeFigureOut">
               <a:rPr lang="en-US" smtClean="0"/>
-              <a:t>7/9/19</a:t>
+              <a:t>7/10/19</a:t>
             </a:fld>
             <a:endParaRPr lang="en-US"/>
           </a:p>
@@ -696,7 +701,7 @@
           <a:p>
             <a:fld id="{32342A8F-7501-DF43-B346-58C651AE3918}" type="datetimeFigureOut">
               <a:rPr lang="en-US" smtClean="0"/>
-              <a:t>7/9/19</a:t>
+              <a:t>7/10/19</a:t>
             </a:fld>
             <a:endParaRPr lang="en-US"/>
           </a:p>
@@ -897,7 +902,7 @@
           <a:p>
             <a:fld id="{32342A8F-7501-DF43-B346-58C651AE3918}" type="datetimeFigureOut">
               <a:rPr lang="en-US" smtClean="0"/>
-              <a:t>7/9/19</a:t>
+              <a:t>7/10/19</a:t>
             </a:fld>
             <a:endParaRPr lang="en-US"/>
           </a:p>
@@ -1176,7 +1181,7 @@
           <a:p>
             <a:fld id="{32342A8F-7501-DF43-B346-58C651AE3918}" type="datetimeFigureOut">
               <a:rPr lang="en-US" smtClean="0"/>
-              <a:t>7/9/19</a:t>
+              <a:t>7/10/19</a:t>
             </a:fld>
             <a:endParaRPr lang="en-US"/>
           </a:p>
@@ -1444,7 +1449,7 @@
           <a:p>
             <a:fld id="{32342A8F-7501-DF43-B346-58C651AE3918}" type="datetimeFigureOut">
               <a:rPr lang="en-US" smtClean="0"/>
-              <a:t>7/9/19</a:t>
+              <a:t>7/10/19</a:t>
             </a:fld>
             <a:endParaRPr lang="en-US"/>
           </a:p>
@@ -1860,7 +1865,7 @@
           <a:p>
             <a:fld id="{32342A8F-7501-DF43-B346-58C651AE3918}" type="datetimeFigureOut">
               <a:rPr lang="en-US" smtClean="0"/>
-              <a:t>7/9/19</a:t>
+              <a:t>7/10/19</a:t>
             </a:fld>
             <a:endParaRPr lang="en-US"/>
           </a:p>
@@ -2009,7 +2014,7 @@
           <a:p>
             <a:fld id="{32342A8F-7501-DF43-B346-58C651AE3918}" type="datetimeFigureOut">
               <a:rPr lang="en-US" smtClean="0"/>
-              <a:t>7/9/19</a:t>
+              <a:t>7/10/19</a:t>
             </a:fld>
             <a:endParaRPr lang="en-US"/>
           </a:p>
@@ -2135,7 +2140,7 @@
           <a:p>
             <a:fld id="{32342A8F-7501-DF43-B346-58C651AE3918}" type="datetimeFigureOut">
               <a:rPr lang="en-US" smtClean="0"/>
-              <a:t>7/9/19</a:t>
+              <a:t>7/10/19</a:t>
             </a:fld>
             <a:endParaRPr lang="en-US"/>
           </a:p>
@@ -2386,7 +2391,7 @@
           <a:p>
             <a:fld id="{32342A8F-7501-DF43-B346-58C651AE3918}" type="datetimeFigureOut">
               <a:rPr lang="en-US" smtClean="0"/>
-              <a:t>7/9/19</a:t>
+              <a:t>7/10/19</a:t>
             </a:fld>
             <a:endParaRPr lang="en-US"/>
           </a:p>
@@ -2831,7 +2836,7 @@
           <a:p>
             <a:fld id="{32342A8F-7501-DF43-B346-58C651AE3918}" type="datetimeFigureOut">
               <a:rPr lang="en-US" smtClean="0"/>
-              <a:t>7/9/19</a:t>
+              <a:t>7/10/19</a:t>
             </a:fld>
             <a:endParaRPr lang="en-US"/>
           </a:p>
@@ -3157,7 +3162,7 @@
           <a:p>
             <a:fld id="{32342A8F-7501-DF43-B346-58C651AE3918}" type="datetimeFigureOut">
               <a:rPr lang="en-US" smtClean="0"/>
-              <a:t>7/9/19</a:t>
+              <a:t>7/10/19</a:t>
             </a:fld>
             <a:endParaRPr lang="en-US"/>
           </a:p>
@@ -6493,7 +6498,7 @@
         <p:spPr>
           <a:xfrm>
             <a:off x="1451579" y="2447364"/>
-            <a:ext cx="2824586" cy="461665"/>
+            <a:ext cx="2824586" cy="492443"/>
           </a:xfrm>
           <a:prstGeom prst="rect">
             <a:avLst/>
@@ -6507,7 +6512,7 @@
           <a:lstStyle/>
           <a:p>
             <a:r>
-              <a:rPr lang="en-US" sz="2400" b="1" dirty="0">
+              <a:rPr lang="en-US" sz="2600" b="1" dirty="0">
                 <a:solidFill>
                   <a:srgbClr val="FF0000"/>
                 </a:solidFill>
@@ -6635,7 +6640,7 @@
         <p:spPr>
           <a:xfrm>
             <a:off x="1451579" y="2122694"/>
-            <a:ext cx="2259809" cy="461665"/>
+            <a:ext cx="2259809" cy="492443"/>
           </a:xfrm>
           <a:prstGeom prst="rect">
             <a:avLst/>
@@ -6649,7 +6654,7 @@
           <a:lstStyle/>
           <a:p>
             <a:r>
-              <a:rPr lang="en-US" sz="2400" b="1" dirty="0">
+              <a:rPr lang="en-US" sz="2600" b="1" dirty="0">
                 <a:solidFill>
                   <a:srgbClr val="FF0000"/>
                 </a:solidFill>
@@ -6777,7 +6782,7 @@
         <p:spPr>
           <a:xfrm>
             <a:off x="1451579" y="2205315"/>
-            <a:ext cx="2448068" cy="461665"/>
+            <a:ext cx="2448068" cy="492443"/>
           </a:xfrm>
           <a:prstGeom prst="rect">
             <a:avLst/>
@@ -6791,7 +6796,7 @@
           <a:lstStyle/>
           <a:p>
             <a:r>
-              <a:rPr lang="en-US" sz="2400" b="1" dirty="0">
+              <a:rPr lang="en-US" sz="2600" b="1" dirty="0">
                 <a:solidFill>
                   <a:srgbClr val="FF0000"/>
                 </a:solidFill>
@@ -6801,7 +6806,7 @@
               <a:t>3. </a:t>
             </a:r>
             <a:r>
-              <a:rPr lang="en-US" sz="2400" b="1" dirty="0" err="1">
+              <a:rPr lang="en-US" sz="2600" b="1" dirty="0" err="1">
                 <a:solidFill>
                   <a:srgbClr val="FF0000"/>
                 </a:solidFill>
@@ -6810,7 +6815,7 @@
               </a:rPr>
               <a:t>ClingMe</a:t>
             </a:r>
-            <a:endParaRPr lang="en-US" sz="2400" b="1" dirty="0">
+            <a:endParaRPr lang="en-US" sz="2600" b="1" dirty="0">
               <a:solidFill>
                 <a:srgbClr val="FF0000"/>
               </a:solidFill>
@@ -6897,7 +6902,7 @@
         <p:spPr>
           <a:xfrm>
             <a:off x="1451579" y="2366683"/>
-            <a:ext cx="2449710" cy="461665"/>
+            <a:ext cx="3692421" cy="492443"/>
           </a:xfrm>
           <a:prstGeom prst="rect">
             <a:avLst/>
@@ -6911,24 +6916,24 @@
           <a:lstStyle/>
           <a:p>
             <a:r>
-              <a:rPr lang="en-US" sz="2400" b="1" dirty="0">
+              <a:rPr lang="en-US" sz="2600" b="1" dirty="0">
                 <a:solidFill>
                   <a:srgbClr val="FF0000"/>
                 </a:solidFill>
                 <a:latin typeface="Times New Roman" panose="02020603050405020304" pitchFamily="18" charset="0"/>
                 <a:cs typeface="Times New Roman" panose="02020603050405020304" pitchFamily="18" charset="0"/>
               </a:rPr>
-              <a:t>BẢNG DỮ LIỆU</a:t>
+              <a:t>USE CASE HỆ THỐNG</a:t>
             </a:r>
           </a:p>
         </p:txBody>
       </p:sp>
       <p:pic>
         <p:nvPicPr>
-          <p:cNvPr id="5" name="Picture 4">
+          <p:cNvPr id="6" name="Picture 5">
             <a:extLst>
               <a:ext uri="{FF2B5EF4-FFF2-40B4-BE49-F238E27FC236}">
-                <a16:creationId xmlns:a16="http://schemas.microsoft.com/office/drawing/2014/main" id="{E0A23C19-C6EF-C74F-AEAE-3C47E318CAAF}"/>
+                <a16:creationId xmlns:a16="http://schemas.microsoft.com/office/drawing/2014/main" id="{73D36004-7AAA-FD40-9653-059715BEB1EF}"/>
               </a:ext>
             </a:extLst>
           </p:cNvPr>
@@ -6949,8 +6954,8 @@
         </p:blipFill>
         <p:spPr>
           <a:xfrm>
-            <a:off x="4464423" y="2366683"/>
-            <a:ext cx="5862917" cy="3272306"/>
+            <a:off x="5347854" y="2213385"/>
+            <a:ext cx="5332005" cy="3291840"/>
           </a:xfrm>
           <a:prstGeom prst="rect">
             <a:avLst/>
@@ -7019,12 +7024,53 @@
           </a:p>
         </p:txBody>
       </p:sp>
+      <p:sp>
+        <p:nvSpPr>
+          <p:cNvPr id="6" name="TextBox 5">
+            <a:extLst>
+              <a:ext uri="{FF2B5EF4-FFF2-40B4-BE49-F238E27FC236}">
+                <a16:creationId xmlns:a16="http://schemas.microsoft.com/office/drawing/2014/main" id="{27F84563-3F7C-6544-AEC1-5E08B22AE059}"/>
+              </a:ext>
+            </a:extLst>
+          </p:cNvPr>
+          <p:cNvSpPr txBox="1"/>
+          <p:nvPr/>
+        </p:nvSpPr>
+        <p:spPr>
+          <a:xfrm>
+            <a:off x="1451578" y="2213385"/>
+            <a:ext cx="3685197" cy="461665"/>
+          </a:xfrm>
+          <a:prstGeom prst="rect">
+            <a:avLst/>
+          </a:prstGeom>
+          <a:noFill/>
+        </p:spPr>
+        <p:txBody>
+          <a:bodyPr wrap="square" rtlCol="0">
+            <a:spAutoFit/>
+          </a:bodyPr>
+          <a:lstStyle/>
+          <a:p>
+            <a:r>
+              <a:rPr lang="en-US" sz="2400" b="1" dirty="0">
+                <a:solidFill>
+                  <a:srgbClr val="FF0000"/>
+                </a:solidFill>
+                <a:latin typeface="Times New Roman" panose="02020603050405020304" pitchFamily="18" charset="0"/>
+                <a:cs typeface="Times New Roman" panose="02020603050405020304" pitchFamily="18" charset="0"/>
+              </a:rPr>
+              <a:t>BẢNG DỮ LIỆU</a:t>
+            </a:r>
+          </a:p>
+        </p:txBody>
+      </p:sp>
       <p:pic>
         <p:nvPicPr>
-          <p:cNvPr id="5" name="Picture 4">
+          <p:cNvPr id="7" name="Picture 6">
             <a:extLst>
               <a:ext uri="{FF2B5EF4-FFF2-40B4-BE49-F238E27FC236}">
-                <a16:creationId xmlns:a16="http://schemas.microsoft.com/office/drawing/2014/main" id="{1DBCD5B5-AD98-6342-B6BE-19233B4EFC9E}"/>
+                <a16:creationId xmlns:a16="http://schemas.microsoft.com/office/drawing/2014/main" id="{8224BE92-8AE2-4747-9870-D58C97B63575}"/>
               </a:ext>
             </a:extLst>
           </p:cNvPr>
@@ -7045,55 +7091,14 @@
         </p:blipFill>
         <p:spPr>
           <a:xfrm>
-            <a:off x="5136776" y="2213385"/>
-            <a:ext cx="5543084" cy="3291840"/>
+            <a:off x="5114430" y="2213385"/>
+            <a:ext cx="5525862" cy="3383851"/>
           </a:xfrm>
           <a:prstGeom prst="rect">
             <a:avLst/>
           </a:prstGeom>
         </p:spPr>
       </p:pic>
-      <p:sp>
-        <p:nvSpPr>
-          <p:cNvPr id="6" name="TextBox 5">
-            <a:extLst>
-              <a:ext uri="{FF2B5EF4-FFF2-40B4-BE49-F238E27FC236}">
-                <a16:creationId xmlns:a16="http://schemas.microsoft.com/office/drawing/2014/main" id="{27F84563-3F7C-6544-AEC1-5E08B22AE059}"/>
-              </a:ext>
-            </a:extLst>
-          </p:cNvPr>
-          <p:cNvSpPr txBox="1"/>
-          <p:nvPr/>
-        </p:nvSpPr>
-        <p:spPr>
-          <a:xfrm>
-            <a:off x="1451578" y="2213385"/>
-            <a:ext cx="3685197" cy="461665"/>
-          </a:xfrm>
-          <a:prstGeom prst="rect">
-            <a:avLst/>
-          </a:prstGeom>
-          <a:noFill/>
-        </p:spPr>
-        <p:txBody>
-          <a:bodyPr wrap="square" rtlCol="0">
-            <a:spAutoFit/>
-          </a:bodyPr>
-          <a:lstStyle/>
-          <a:p>
-            <a:r>
-              <a:rPr lang="en-US" sz="2400" b="1" dirty="0">
-                <a:solidFill>
-                  <a:srgbClr val="FF0000"/>
-                </a:solidFill>
-                <a:latin typeface="Times New Roman" panose="02020603050405020304" pitchFamily="18" charset="0"/>
-                <a:cs typeface="Times New Roman" panose="02020603050405020304" pitchFamily="18" charset="0"/>
-              </a:rPr>
-              <a:t>USE CASE HỆ THỐNG</a:t>
-            </a:r>
-          </a:p>
-        </p:txBody>
-      </p:sp>
     </p:spTree>
     <p:extLst>
       <p:ext uri="{BB962C8B-B14F-4D97-AF65-F5344CB8AC3E}">

--- a/SlideThuyetTrinh.pptx
+++ b/SlideThuyetTrinh.pptx
@@ -6930,10 +6930,10 @@
       </p:sp>
       <p:pic>
         <p:nvPicPr>
-          <p:cNvPr id="6" name="Picture 5">
+          <p:cNvPr id="5" name="Picture 4">
             <a:extLst>
               <a:ext uri="{FF2B5EF4-FFF2-40B4-BE49-F238E27FC236}">
-                <a16:creationId xmlns:a16="http://schemas.microsoft.com/office/drawing/2014/main" id="{73D36004-7AAA-FD40-9653-059715BEB1EF}"/>
+                <a16:creationId xmlns:a16="http://schemas.microsoft.com/office/drawing/2014/main" id="{4C097E0B-60C4-C54B-AE83-4FA3A4666FD1}"/>
               </a:ext>
             </a:extLst>
           </p:cNvPr>
@@ -6954,8 +6954,8 @@
         </p:blipFill>
         <p:spPr>
           <a:xfrm>
-            <a:off x="5347854" y="2213385"/>
-            <a:ext cx="5332005" cy="3291840"/>
+            <a:off x="5144000" y="2366683"/>
+            <a:ext cx="5690255" cy="3284855"/>
           </a:xfrm>
           <a:prstGeom prst="rect">
             <a:avLst/>

--- a/SlideThuyetTrinh.pptx
+++ b/SlideThuyetTrinh.pptx
@@ -10,14 +10,15 @@
     <p:sldId id="258" r:id="rId4"/>
     <p:sldId id="263" r:id="rId5"/>
     <p:sldId id="264" r:id="rId6"/>
-    <p:sldId id="259" r:id="rId7"/>
-    <p:sldId id="265" r:id="rId8"/>
-    <p:sldId id="260" r:id="rId9"/>
-    <p:sldId id="261" r:id="rId10"/>
-    <p:sldId id="262" r:id="rId11"/>
-    <p:sldId id="266" r:id="rId12"/>
-    <p:sldId id="267" r:id="rId13"/>
-    <p:sldId id="268" r:id="rId14"/>
+    <p:sldId id="269" r:id="rId7"/>
+    <p:sldId id="259" r:id="rId8"/>
+    <p:sldId id="265" r:id="rId9"/>
+    <p:sldId id="260" r:id="rId10"/>
+    <p:sldId id="261" r:id="rId11"/>
+    <p:sldId id="262" r:id="rId12"/>
+    <p:sldId id="266" r:id="rId13"/>
+    <p:sldId id="267" r:id="rId14"/>
+    <p:sldId id="268" r:id="rId15"/>
   </p:sldIdLst>
   <p:sldSz cx="12192000" cy="6858000"/>
   <p:notesSz cx="6858000" cy="9144000"/>
@@ -275,7 +276,7 @@
           <a:p>
             <a:fld id="{32342A8F-7501-DF43-B346-58C651AE3918}" type="datetimeFigureOut">
               <a:rPr lang="en-US" smtClean="0"/>
-              <a:t>7/10/19</a:t>
+              <a:t>7/13/19</a:t>
             </a:fld>
             <a:endParaRPr lang="en-US"/>
           </a:p>
@@ -486,7 +487,7 @@
           <a:p>
             <a:fld id="{32342A8F-7501-DF43-B346-58C651AE3918}" type="datetimeFigureOut">
               <a:rPr lang="en-US" smtClean="0"/>
-              <a:t>7/10/19</a:t>
+              <a:t>7/13/19</a:t>
             </a:fld>
             <a:endParaRPr lang="en-US"/>
           </a:p>
@@ -701,7 +702,7 @@
           <a:p>
             <a:fld id="{32342A8F-7501-DF43-B346-58C651AE3918}" type="datetimeFigureOut">
               <a:rPr lang="en-US" smtClean="0"/>
-              <a:t>7/10/19</a:t>
+              <a:t>7/13/19</a:t>
             </a:fld>
             <a:endParaRPr lang="en-US"/>
           </a:p>
@@ -902,7 +903,7 @@
           <a:p>
             <a:fld id="{32342A8F-7501-DF43-B346-58C651AE3918}" type="datetimeFigureOut">
               <a:rPr lang="en-US" smtClean="0"/>
-              <a:t>7/10/19</a:t>
+              <a:t>7/13/19</a:t>
             </a:fld>
             <a:endParaRPr lang="en-US"/>
           </a:p>
@@ -1181,7 +1182,7 @@
           <a:p>
             <a:fld id="{32342A8F-7501-DF43-B346-58C651AE3918}" type="datetimeFigureOut">
               <a:rPr lang="en-US" smtClean="0"/>
-              <a:t>7/10/19</a:t>
+              <a:t>7/13/19</a:t>
             </a:fld>
             <a:endParaRPr lang="en-US"/>
           </a:p>
@@ -1449,7 +1450,7 @@
           <a:p>
             <a:fld id="{32342A8F-7501-DF43-B346-58C651AE3918}" type="datetimeFigureOut">
               <a:rPr lang="en-US" smtClean="0"/>
-              <a:t>7/10/19</a:t>
+              <a:t>7/13/19</a:t>
             </a:fld>
             <a:endParaRPr lang="en-US"/>
           </a:p>
@@ -1865,7 +1866,7 @@
           <a:p>
             <a:fld id="{32342A8F-7501-DF43-B346-58C651AE3918}" type="datetimeFigureOut">
               <a:rPr lang="en-US" smtClean="0"/>
-              <a:t>7/10/19</a:t>
+              <a:t>7/13/19</a:t>
             </a:fld>
             <a:endParaRPr lang="en-US"/>
           </a:p>
@@ -2014,7 +2015,7 @@
           <a:p>
             <a:fld id="{32342A8F-7501-DF43-B346-58C651AE3918}" type="datetimeFigureOut">
               <a:rPr lang="en-US" smtClean="0"/>
-              <a:t>7/10/19</a:t>
+              <a:t>7/13/19</a:t>
             </a:fld>
             <a:endParaRPr lang="en-US"/>
           </a:p>
@@ -2140,7 +2141,7 @@
           <a:p>
             <a:fld id="{32342A8F-7501-DF43-B346-58C651AE3918}" type="datetimeFigureOut">
               <a:rPr lang="en-US" smtClean="0"/>
-              <a:t>7/10/19</a:t>
+              <a:t>7/13/19</a:t>
             </a:fld>
             <a:endParaRPr lang="en-US"/>
           </a:p>
@@ -2391,7 +2392,7 @@
           <a:p>
             <a:fld id="{32342A8F-7501-DF43-B346-58C651AE3918}" type="datetimeFigureOut">
               <a:rPr lang="en-US" smtClean="0"/>
-              <a:t>7/10/19</a:t>
+              <a:t>7/13/19</a:t>
             </a:fld>
             <a:endParaRPr lang="en-US"/>
           </a:p>
@@ -2836,7 +2837,7 @@
           <a:p>
             <a:fld id="{32342A8F-7501-DF43-B346-58C651AE3918}" type="datetimeFigureOut">
               <a:rPr lang="en-US" smtClean="0"/>
-              <a:t>7/10/19</a:t>
+              <a:t>7/13/19</a:t>
             </a:fld>
             <a:endParaRPr lang="en-US"/>
           </a:p>
@@ -3162,7 +3163,7 @@
           <a:p>
             <a:fld id="{32342A8F-7501-DF43-B346-58C651AE3918}" type="datetimeFigureOut">
               <a:rPr lang="en-US" smtClean="0"/>
-              <a:t>7/10/19</a:t>
+              <a:t>7/13/19</a:t>
             </a:fld>
             <a:endParaRPr lang="en-US"/>
           </a:p>
@@ -4133,13 +4134,13 @@
           <p:nvPr>
             <p:extLst>
               <p:ext uri="{D42A27DB-BD31-4B8C-83A1-F6EECF244321}">
-                <p14:modId xmlns:p14="http://schemas.microsoft.com/office/powerpoint/2010/main" val="3110706343"/>
+                <p14:modId xmlns:p14="http://schemas.microsoft.com/office/powerpoint/2010/main" val="2746865430"/>
               </p:ext>
             </p:extLst>
           </p:nvPr>
         </p:nvGraphicFramePr>
         <p:xfrm>
-          <a:off x="3821480" y="4330142"/>
+          <a:off x="2629989" y="3903553"/>
           <a:ext cx="7820763" cy="1540166"/>
         </p:xfrm>
         <a:graphic>
@@ -4433,6 +4434,13 @@
                         </a:rPr>
                         <a:t>Trực</a:t>
                       </a:r>
+                      <a:r>
+                        <a:rPr lang="en-US" sz="2200" b="1" dirty="0">
+                          <a:latin typeface="Arial" panose="020B0604020202020204" pitchFamily="34" charset="0"/>
+                          <a:cs typeface="Arial" panose="020B0604020202020204" pitchFamily="34" charset="0"/>
+                        </a:rPr>
+                        <a:t>       15110354</a:t>
+                      </a:r>
                       <a:endParaRPr lang="en-US" sz="2200" b="1" baseline="0" dirty="0">
                         <a:latin typeface="Arial" panose="020B0604020202020204" pitchFamily="34" charset="0"/>
                         <a:cs typeface="Arial" panose="020B0604020202020204" pitchFamily="34" charset="0"/>
@@ -4490,6 +4498,13 @@
                         </a:rPr>
                         <a:t>Cương</a:t>
                       </a:r>
+                      <a:r>
+                        <a:rPr lang="en-US" sz="2200" b="1" baseline="0" dirty="0">
+                          <a:latin typeface="Arial" panose="020B0604020202020204" pitchFamily="34" charset="0"/>
+                          <a:cs typeface="Arial" panose="020B0604020202020204" pitchFamily="34" charset="0"/>
+                        </a:rPr>
+                        <a:t>       15110172</a:t>
+                      </a:r>
                       <a:endParaRPr lang="en-US" sz="2200" b="1" dirty="0">
                         <a:latin typeface="Arial" panose="020B0604020202020204" pitchFamily="34" charset="0"/>
                         <a:cs typeface="Arial" panose="020B0604020202020204" pitchFamily="34" charset="0"/>
@@ -4638,7 +4653,7 @@
           <p:cNvPr id="2" name="Title 1">
             <a:extLst>
               <a:ext uri="{FF2B5EF4-FFF2-40B4-BE49-F238E27FC236}">
-                <a16:creationId xmlns:a16="http://schemas.microsoft.com/office/drawing/2014/main" id="{4E9A23FD-72A4-0E47-88BA-89C881D82E81}"/>
+                <a16:creationId xmlns:a16="http://schemas.microsoft.com/office/drawing/2014/main" id="{99478E23-BD1E-F245-8142-7C07E361D85B}"/>
               </a:ext>
             </a:extLst>
           </p:cNvPr>
@@ -4660,17 +4675,17 @@
                 <a:latin typeface="Times New Roman" panose="02020603050405020304" pitchFamily="18" charset="0"/>
                 <a:cs typeface="Times New Roman" panose="02020603050405020304" pitchFamily="18" charset="0"/>
               </a:rPr>
-              <a:t>KẾT LUẬN</a:t>
-            </a:r>
-          </a:p>
-        </p:txBody>
-      </p:sp>
-      <p:sp>
-        <p:nvSpPr>
-          <p:cNvPr id="4" name="TextBox 3">
+              <a:t>DEMO</a:t>
+            </a:r>
+          </a:p>
+        </p:txBody>
+      </p:sp>
+      <p:sp>
+        <p:nvSpPr>
+          <p:cNvPr id="3" name="TextBox 2">
             <a:extLst>
               <a:ext uri="{FF2B5EF4-FFF2-40B4-BE49-F238E27FC236}">
-                <a16:creationId xmlns:a16="http://schemas.microsoft.com/office/drawing/2014/main" id="{87080570-3481-3A4E-B841-1F75C74C30A7}"/>
+                <a16:creationId xmlns:a16="http://schemas.microsoft.com/office/drawing/2014/main" id="{82548B71-E836-D743-8283-AB8F05BB5312}"/>
               </a:ext>
             </a:extLst>
           </p:cNvPr>
@@ -4679,8 +4694,8 @@
         </p:nvSpPr>
         <p:spPr>
           <a:xfrm>
-            <a:off x="1451579" y="2205317"/>
-            <a:ext cx="3318601" cy="461665"/>
+            <a:off x="10307782" y="5763491"/>
+            <a:ext cx="300082" cy="369332"/>
           </a:xfrm>
           <a:prstGeom prst="rect">
             <a:avLst/>
@@ -4694,183 +4709,16 @@
           <a:lstStyle/>
           <a:p>
             <a:r>
-              <a:rPr lang="en-US" sz="2400" b="1" dirty="0">
-                <a:solidFill>
-                  <a:srgbClr val="FF0000"/>
-                </a:solidFill>
-                <a:latin typeface="Times New Roman" panose="02020603050405020304" pitchFamily="18" charset="0"/>
-                <a:cs typeface="Times New Roman" panose="02020603050405020304" pitchFamily="18" charset="0"/>
-              </a:rPr>
-              <a:t>KẾT QUẢ ĐẠT ĐƯỢC</a:t>
-            </a:r>
-          </a:p>
-        </p:txBody>
-      </p:sp>
-      <p:sp>
-        <p:nvSpPr>
-          <p:cNvPr id="5" name="TextBox 4">
-            <a:extLst>
-              <a:ext uri="{FF2B5EF4-FFF2-40B4-BE49-F238E27FC236}">
-                <a16:creationId xmlns:a16="http://schemas.microsoft.com/office/drawing/2014/main" id="{A59F5F08-FD46-4D44-A3F5-EB7016A8C75D}"/>
-              </a:ext>
-            </a:extLst>
-          </p:cNvPr>
-          <p:cNvSpPr txBox="1"/>
-          <p:nvPr/>
-        </p:nvSpPr>
-        <p:spPr>
-          <a:xfrm>
-            <a:off x="1909482" y="2574649"/>
-            <a:ext cx="9708778" cy="2246769"/>
-          </a:xfrm>
-          <a:prstGeom prst="rect">
-            <a:avLst/>
-          </a:prstGeom>
-          <a:noFill/>
-        </p:spPr>
-        <p:txBody>
-          <a:bodyPr wrap="square" rtlCol="0">
-            <a:spAutoFit/>
-          </a:bodyPr>
-          <a:lstStyle/>
-          <a:p>
-            <a:pPr lvl="0"/>
-            <a:r>
-              <a:rPr lang="vi-VN" sz="2000" dirty="0">
-                <a:effectLst>
-                  <a:outerShdw blurRad="38100" dist="19050" dir="2700000" algn="tl">
-                    <a:schemeClr val="dk1">
-                      <a:alpha val="40000"/>
-                    </a:schemeClr>
-                  </a:outerShdw>
-                </a:effectLst>
-                <a:latin typeface="Times New Roman" panose="02020603050405020304" pitchFamily="18" charset="0"/>
-                <a:cs typeface="Times New Roman" panose="02020603050405020304" pitchFamily="18" charset="0"/>
-              </a:rPr>
-              <a:t>Tạo ra một ứng dụng tìm kiếm và lưu lại cái quán ăn đã được admin thêm vào.</a:t>
-            </a:r>
-            <a:endParaRPr lang="en-US" sz="2000" b="1" dirty="0">
-              <a:latin typeface="Times New Roman" panose="02020603050405020304" pitchFamily="18" charset="0"/>
-              <a:cs typeface="Times New Roman" panose="02020603050405020304" pitchFamily="18" charset="0"/>
-            </a:endParaRPr>
-          </a:p>
-          <a:p>
-            <a:pPr lvl="0"/>
-            <a:r>
-              <a:rPr lang="vi-VN" sz="2000" dirty="0">
-                <a:effectLst>
-                  <a:outerShdw blurRad="38100" dist="19050" dir="2700000" algn="tl">
-                    <a:schemeClr val="dk1">
-                      <a:alpha val="40000"/>
-                    </a:schemeClr>
-                  </a:outerShdw>
-                </a:effectLst>
-                <a:latin typeface="Times New Roman" panose="02020603050405020304" pitchFamily="18" charset="0"/>
-                <a:cs typeface="Times New Roman" panose="02020603050405020304" pitchFamily="18" charset="0"/>
-              </a:rPr>
-              <a:t>Có kiến thức về cách xử lý database của mongodb và xử lý được Firebase build lên điện thoại thật.</a:t>
-            </a:r>
-            <a:endParaRPr lang="en-US" sz="2000" b="1" dirty="0">
-              <a:latin typeface="Times New Roman" panose="02020603050405020304" pitchFamily="18" charset="0"/>
-              <a:cs typeface="Times New Roman" panose="02020603050405020304" pitchFamily="18" charset="0"/>
-            </a:endParaRPr>
-          </a:p>
-          <a:p>
-            <a:pPr lvl="0"/>
-            <a:r>
-              <a:rPr lang="en-US" sz="2000" dirty="0">
-                <a:effectLst>
-                  <a:outerShdw blurRad="38100" dist="19050" dir="2700000" algn="tl">
-                    <a:schemeClr val="dk1">
-                      <a:alpha val="40000"/>
-                    </a:schemeClr>
-                  </a:outerShdw>
-                </a:effectLst>
-                <a:latin typeface="Times New Roman" panose="02020603050405020304" pitchFamily="18" charset="0"/>
-                <a:cs typeface="Times New Roman" panose="02020603050405020304" pitchFamily="18" charset="0"/>
-              </a:rPr>
-              <a:t>C</a:t>
-            </a:r>
-            <a:r>
-              <a:rPr lang="vi-VN" sz="2000" dirty="0">
-                <a:effectLst>
-                  <a:outerShdw blurRad="38100" dist="19050" dir="2700000" algn="tl">
-                    <a:schemeClr val="dk1">
-                      <a:alpha val="40000"/>
-                    </a:schemeClr>
-                  </a:outerShdw>
-                </a:effectLst>
-                <a:latin typeface="Times New Roman" panose="02020603050405020304" pitchFamily="18" charset="0"/>
-                <a:cs typeface="Times New Roman" panose="02020603050405020304" pitchFamily="18" charset="0"/>
-              </a:rPr>
-              <a:t>ó kiến thức về server: Tạo được một </a:t>
-            </a:r>
-            <a:r>
-              <a:rPr lang="en-US" sz="2000" dirty="0">
-                <a:effectLst>
-                  <a:outerShdw blurRad="38100" dist="19050" dir="2700000" algn="tl">
-                    <a:schemeClr val="dk1">
-                      <a:alpha val="40000"/>
-                    </a:schemeClr>
-                  </a:outerShdw>
-                </a:effectLst>
-                <a:latin typeface="Times New Roman" panose="02020603050405020304" pitchFamily="18" charset="0"/>
-                <a:cs typeface="Times New Roman" panose="02020603050405020304" pitchFamily="18" charset="0"/>
-              </a:rPr>
-              <a:t>Virtual Private Server</a:t>
-            </a:r>
-            <a:r>
-              <a:rPr lang="vi-VN" sz="2000" dirty="0">
-                <a:effectLst>
-                  <a:outerShdw blurRad="38100" dist="19050" dir="2700000" algn="tl">
-                    <a:schemeClr val="dk1">
-                      <a:alpha val="40000"/>
-                    </a:schemeClr>
-                  </a:outerShdw>
-                </a:effectLst>
-                <a:latin typeface="Times New Roman" panose="02020603050405020304" pitchFamily="18" charset="0"/>
-                <a:cs typeface="Times New Roman" panose="02020603050405020304" pitchFamily="18" charset="0"/>
-              </a:rPr>
-              <a:t>(VPS) và đưa database mongodb lên.</a:t>
-            </a:r>
-            <a:endParaRPr lang="en-US" sz="2000" b="1" dirty="0">
-              <a:latin typeface="Times New Roman" panose="02020603050405020304" pitchFamily="18" charset="0"/>
-              <a:cs typeface="Times New Roman" panose="02020603050405020304" pitchFamily="18" charset="0"/>
-            </a:endParaRPr>
-          </a:p>
-          <a:p>
-            <a:pPr lvl="0"/>
-            <a:r>
-              <a:rPr lang="vi-VN" sz="2000" dirty="0">
-                <a:effectLst>
-                  <a:outerShdw blurRad="38100" dist="19050" dir="2700000" algn="tl">
-                    <a:schemeClr val="dk1">
-                      <a:alpha val="40000"/>
-                    </a:schemeClr>
-                  </a:outerShdw>
-                </a:effectLst>
-                <a:latin typeface="Times New Roman" panose="02020603050405020304" pitchFamily="18" charset="0"/>
-                <a:cs typeface="Times New Roman" panose="02020603050405020304" pitchFamily="18" charset="0"/>
-              </a:rPr>
-              <a:t>Vững kiến thức về lập trình swift. </a:t>
-            </a:r>
-            <a:endParaRPr lang="en-US" sz="2000" b="1" dirty="0">
-              <a:latin typeface="Times New Roman" panose="02020603050405020304" pitchFamily="18" charset="0"/>
-              <a:cs typeface="Times New Roman" panose="02020603050405020304" pitchFamily="18" charset="0"/>
-            </a:endParaRPr>
-          </a:p>
-          <a:p>
-            <a:endParaRPr lang="en-US" sz="2000" dirty="0">
-              <a:latin typeface="Times New Roman" panose="02020603050405020304" pitchFamily="18" charset="0"/>
-              <a:cs typeface="Times New Roman" panose="02020603050405020304" pitchFamily="18" charset="0"/>
-            </a:endParaRPr>
+              <a:rPr lang="en-US" dirty="0"/>
+              <a:t>9</a:t>
+            </a:r>
           </a:p>
         </p:txBody>
       </p:sp>
     </p:spTree>
     <p:extLst>
       <p:ext uri="{BB962C8B-B14F-4D97-AF65-F5344CB8AC3E}">
-        <p14:creationId xmlns:p14="http://schemas.microsoft.com/office/powerpoint/2010/main" val="3444793998"/>
+        <p14:creationId xmlns:p14="http://schemas.microsoft.com/office/powerpoint/2010/main" val="3977197553"/>
       </p:ext>
     </p:extLst>
   </p:cSld>
@@ -4944,7 +4792,7 @@
         <p:spPr>
           <a:xfrm>
             <a:off x="1451579" y="2205317"/>
-            <a:ext cx="1568058" cy="461665"/>
+            <a:ext cx="3318601" cy="461665"/>
           </a:xfrm>
           <a:prstGeom prst="rect">
             <a:avLst/>
@@ -4965,7 +4813,7 @@
                 <a:latin typeface="Times New Roman" panose="02020603050405020304" pitchFamily="18" charset="0"/>
                 <a:cs typeface="Times New Roman" panose="02020603050405020304" pitchFamily="18" charset="0"/>
               </a:rPr>
-              <a:t>ƯU ĐIỂM</a:t>
+              <a:t>KẾT QUẢ ĐẠT ĐƯỢC</a:t>
             </a:r>
           </a:p>
         </p:txBody>
@@ -4985,7 +4833,7 @@
         <p:spPr>
           <a:xfrm>
             <a:off x="1909482" y="2574649"/>
-            <a:ext cx="9708778" cy="707886"/>
+            <a:ext cx="9708778" cy="2246769"/>
           </a:xfrm>
           <a:prstGeom prst="rect">
             <a:avLst/>
@@ -5011,89 +4859,13 @@
                 <a:latin typeface="Times New Roman" panose="02020603050405020304" pitchFamily="18" charset="0"/>
                 <a:cs typeface="Times New Roman" panose="02020603050405020304" pitchFamily="18" charset="0"/>
               </a:rPr>
-              <a:t>Ứng đụng đễ dàng tương tác với người dùng</a:t>
+              <a:t>Tạo ra một ứng dụng tìm kiếm và lưu lại cái quán ăn đã được admin thêm vào.</a:t>
             </a:r>
             <a:endParaRPr lang="en-US" sz="2000" b="1" dirty="0">
               <a:latin typeface="Times New Roman" panose="02020603050405020304" pitchFamily="18" charset="0"/>
               <a:cs typeface="Times New Roman" panose="02020603050405020304" pitchFamily="18" charset="0"/>
             </a:endParaRPr>
           </a:p>
-          <a:p>
-            <a:endParaRPr lang="en-US" sz="2000" dirty="0">
-              <a:latin typeface="Times New Roman" panose="02020603050405020304" pitchFamily="18" charset="0"/>
-              <a:cs typeface="Times New Roman" panose="02020603050405020304" pitchFamily="18" charset="0"/>
-            </a:endParaRPr>
-          </a:p>
-        </p:txBody>
-      </p:sp>
-      <p:sp>
-        <p:nvSpPr>
-          <p:cNvPr id="3" name="TextBox 2">
-            <a:extLst>
-              <a:ext uri="{FF2B5EF4-FFF2-40B4-BE49-F238E27FC236}">
-                <a16:creationId xmlns:a16="http://schemas.microsoft.com/office/drawing/2014/main" id="{330F10CA-05DF-2848-8286-6610261E4DE9}"/>
-              </a:ext>
-            </a:extLst>
-          </p:cNvPr>
-          <p:cNvSpPr txBox="1"/>
-          <p:nvPr/>
-        </p:nvSpPr>
-        <p:spPr>
-          <a:xfrm>
-            <a:off x="1451579" y="3359479"/>
-            <a:ext cx="2268570" cy="461665"/>
-          </a:xfrm>
-          <a:prstGeom prst="rect">
-            <a:avLst/>
-          </a:prstGeom>
-          <a:noFill/>
-        </p:spPr>
-        <p:txBody>
-          <a:bodyPr wrap="none" rtlCol="0">
-            <a:spAutoFit/>
-          </a:bodyPr>
-          <a:lstStyle/>
-          <a:p>
-            <a:r>
-              <a:rPr lang="en-US" sz="2400" b="1" dirty="0">
-                <a:solidFill>
-                  <a:srgbClr val="FF0000"/>
-                </a:solidFill>
-                <a:latin typeface="Times New Roman" panose="02020603050405020304" pitchFamily="18" charset="0"/>
-                <a:cs typeface="Times New Roman" panose="02020603050405020304" pitchFamily="18" charset="0"/>
-              </a:rPr>
-              <a:t>NHƯỢC ĐIỂM</a:t>
-            </a:r>
-          </a:p>
-        </p:txBody>
-      </p:sp>
-      <p:sp>
-        <p:nvSpPr>
-          <p:cNvPr id="6" name="TextBox 5">
-            <a:extLst>
-              <a:ext uri="{FF2B5EF4-FFF2-40B4-BE49-F238E27FC236}">
-                <a16:creationId xmlns:a16="http://schemas.microsoft.com/office/drawing/2014/main" id="{0F12DB63-30AC-2F45-AED1-FC24EFC9083F}"/>
-              </a:ext>
-            </a:extLst>
-          </p:cNvPr>
-          <p:cNvSpPr txBox="1"/>
-          <p:nvPr/>
-        </p:nvSpPr>
-        <p:spPr>
-          <a:xfrm>
-            <a:off x="2070847" y="3867311"/>
-            <a:ext cx="8984007" cy="1323439"/>
-          </a:xfrm>
-          <a:prstGeom prst="rect">
-            <a:avLst/>
-          </a:prstGeom>
-          <a:noFill/>
-        </p:spPr>
-        <p:txBody>
-          <a:bodyPr wrap="square" rtlCol="0">
-            <a:spAutoFit/>
-          </a:bodyPr>
-          <a:lstStyle/>
           <a:p>
             <a:pPr lvl="0"/>
             <a:r>
@@ -5108,7 +4880,7 @@
                 <a:latin typeface="Times New Roman" panose="02020603050405020304" pitchFamily="18" charset="0"/>
                 <a:cs typeface="Times New Roman" panose="02020603050405020304" pitchFamily="18" charset="0"/>
               </a:rPr>
-              <a:t>Ứng dụng sử dụng vps yếu vì vậy chạy còn chậm.</a:t>
+              <a:t>Có kiến thức về cách xử lý database của mongodb và xử lý được Firebase build lên điện thoại thật.</a:t>
             </a:r>
             <a:endParaRPr lang="en-US" sz="2000" b="1" dirty="0">
               <a:latin typeface="Times New Roman" panose="02020603050405020304" pitchFamily="18" charset="0"/>
@@ -5117,6 +4889,20 @@
           </a:p>
           <a:p>
             <a:pPr lvl="0"/>
+            <a:r>
+              <a:rPr lang="en-US" sz="2000" dirty="0">
+                <a:effectLst>
+                  <a:outerShdw blurRad="38100" dist="19050" dir="2700000" algn="tl">
+                    <a:schemeClr val="dk1">
+                      <a:alpha val="40000"/>
+                    </a:schemeClr>
+                  </a:outerShdw>
+                </a:effectLst>
+                <a:latin typeface="Times New Roman" panose="02020603050405020304" pitchFamily="18" charset="0"/>
+                <a:cs typeface="Times New Roman" panose="02020603050405020304" pitchFamily="18" charset="0"/>
+              </a:rPr>
+              <a:t>C</a:t>
+            </a:r>
             <a:r>
               <a:rPr lang="vi-VN" sz="2000" dirty="0">
                 <a:effectLst>
@@ -5129,15 +4915,22 @@
                 <a:latin typeface="Times New Roman" panose="02020603050405020304" pitchFamily="18" charset="0"/>
                 <a:cs typeface="Times New Roman" panose="02020603050405020304" pitchFamily="18" charset="0"/>
               </a:rPr>
-              <a:t>Thao tác nhanh sẽ bị bugg thoát khỏi ứng dụng.</a:t>
-            </a:r>
-            <a:endParaRPr lang="en-US" sz="2000" b="1" dirty="0">
-              <a:latin typeface="Times New Roman" panose="02020603050405020304" pitchFamily="18" charset="0"/>
-              <a:cs typeface="Times New Roman" panose="02020603050405020304" pitchFamily="18" charset="0"/>
-            </a:endParaRPr>
-          </a:p>
-          <a:p>
-            <a:pPr lvl="0"/>
+              <a:t>ó kiến thức về server: Tạo được một </a:t>
+            </a:r>
+            <a:r>
+              <a:rPr lang="en-US" sz="2000" dirty="0">
+                <a:effectLst>
+                  <a:outerShdw blurRad="38100" dist="19050" dir="2700000" algn="tl">
+                    <a:schemeClr val="dk1">
+                      <a:alpha val="40000"/>
+                    </a:schemeClr>
+                  </a:outerShdw>
+                </a:effectLst>
+                <a:latin typeface="Times New Roman" panose="02020603050405020304" pitchFamily="18" charset="0"/>
+                <a:cs typeface="Times New Roman" panose="02020603050405020304" pitchFamily="18" charset="0"/>
+              </a:rPr>
+              <a:t>Virtual Private Server</a:t>
+            </a:r>
             <a:r>
               <a:rPr lang="vi-VN" sz="2000" dirty="0">
                 <a:effectLst>
@@ -5150,7 +4943,7 @@
                 <a:latin typeface="Times New Roman" panose="02020603050405020304" pitchFamily="18" charset="0"/>
                 <a:cs typeface="Times New Roman" panose="02020603050405020304" pitchFamily="18" charset="0"/>
               </a:rPr>
-              <a:t>Chưa kiểm soát triện để lỗi trong ứng dụng.</a:t>
+              <a:t>(VPS) và đưa database mongodb lên.</a:t>
             </a:r>
             <a:endParaRPr lang="en-US" sz="2000" b="1" dirty="0">
               <a:latin typeface="Times New Roman" panose="02020603050405020304" pitchFamily="18" charset="0"/>
@@ -5158,6 +4951,27 @@
             </a:endParaRPr>
           </a:p>
           <a:p>
+            <a:pPr lvl="0"/>
+            <a:r>
+              <a:rPr lang="vi-VN" sz="2000" dirty="0">
+                <a:effectLst>
+                  <a:outerShdw blurRad="38100" dist="19050" dir="2700000" algn="tl">
+                    <a:schemeClr val="dk1">
+                      <a:alpha val="40000"/>
+                    </a:schemeClr>
+                  </a:outerShdw>
+                </a:effectLst>
+                <a:latin typeface="Times New Roman" panose="02020603050405020304" pitchFamily="18" charset="0"/>
+                <a:cs typeface="Times New Roman" panose="02020603050405020304" pitchFamily="18" charset="0"/>
+              </a:rPr>
+              <a:t>Vững kiến thức về lập trình swift. </a:t>
+            </a:r>
+            <a:endParaRPr lang="en-US" sz="2000" b="1" dirty="0">
+              <a:latin typeface="Times New Roman" panose="02020603050405020304" pitchFamily="18" charset="0"/>
+              <a:cs typeface="Times New Roman" panose="02020603050405020304" pitchFamily="18" charset="0"/>
+            </a:endParaRPr>
+          </a:p>
+          <a:p>
             <a:endParaRPr lang="en-US" sz="2000" dirty="0">
               <a:latin typeface="Times New Roman" panose="02020603050405020304" pitchFamily="18" charset="0"/>
               <a:cs typeface="Times New Roman" panose="02020603050405020304" pitchFamily="18" charset="0"/>
@@ -5165,10 +4979,45 @@
           </a:p>
         </p:txBody>
       </p:sp>
+      <p:sp>
+        <p:nvSpPr>
+          <p:cNvPr id="3" name="TextBox 2">
+            <a:extLst>
+              <a:ext uri="{FF2B5EF4-FFF2-40B4-BE49-F238E27FC236}">
+                <a16:creationId xmlns:a16="http://schemas.microsoft.com/office/drawing/2014/main" id="{31C04A5A-CD4A-C34D-8CE7-715276B5C0B6}"/>
+              </a:ext>
+            </a:extLst>
+          </p:cNvPr>
+          <p:cNvSpPr txBox="1"/>
+          <p:nvPr/>
+        </p:nvSpPr>
+        <p:spPr>
+          <a:xfrm>
+            <a:off x="10501745" y="5791200"/>
+            <a:ext cx="415498" cy="369332"/>
+          </a:xfrm>
+          <a:prstGeom prst="rect">
+            <a:avLst/>
+          </a:prstGeom>
+          <a:noFill/>
+        </p:spPr>
+        <p:txBody>
+          <a:bodyPr wrap="none" rtlCol="0">
+            <a:spAutoFit/>
+          </a:bodyPr>
+          <a:lstStyle/>
+          <a:p>
+            <a:r>
+              <a:rPr lang="en-US" dirty="0"/>
+              <a:t>10</a:t>
+            </a:r>
+          </a:p>
+        </p:txBody>
+      </p:sp>
     </p:spTree>
     <p:extLst>
       <p:ext uri="{BB962C8B-B14F-4D97-AF65-F5344CB8AC3E}">
-        <p14:creationId xmlns:p14="http://schemas.microsoft.com/office/powerpoint/2010/main" val="2960916452"/>
+        <p14:creationId xmlns:p14="http://schemas.microsoft.com/office/powerpoint/2010/main" val="3444793998"/>
       </p:ext>
     </p:extLst>
   </p:cSld>
@@ -5242,7 +5091,7 @@
         <p:spPr>
           <a:xfrm>
             <a:off x="1451579" y="2205317"/>
-            <a:ext cx="3342646" cy="461665"/>
+            <a:ext cx="1568058" cy="461665"/>
           </a:xfrm>
           <a:prstGeom prst="rect">
             <a:avLst/>
@@ -5263,17 +5112,17 @@
                 <a:latin typeface="Times New Roman" panose="02020603050405020304" pitchFamily="18" charset="0"/>
                 <a:cs typeface="Times New Roman" panose="02020603050405020304" pitchFamily="18" charset="0"/>
               </a:rPr>
-              <a:t>HƯỚNG PHÁT TRIỂN</a:t>
-            </a:r>
-          </a:p>
-        </p:txBody>
-      </p:sp>
-      <p:sp>
-        <p:nvSpPr>
-          <p:cNvPr id="7" name="TextBox 6">
+              <a:t>ƯU ĐIỂM</a:t>
+            </a:r>
+          </a:p>
+        </p:txBody>
+      </p:sp>
+      <p:sp>
+        <p:nvSpPr>
+          <p:cNvPr id="5" name="TextBox 4">
             <a:extLst>
               <a:ext uri="{FF2B5EF4-FFF2-40B4-BE49-F238E27FC236}">
-                <a16:creationId xmlns:a16="http://schemas.microsoft.com/office/drawing/2014/main" id="{2F39DC30-629D-9D45-A910-3CFD3A547641}"/>
+                <a16:creationId xmlns:a16="http://schemas.microsoft.com/office/drawing/2014/main" id="{A59F5F08-FD46-4D44-A3F5-EB7016A8C75D}"/>
               </a:ext>
             </a:extLst>
           </p:cNvPr>
@@ -5282,8 +5131,8 @@
         </p:nvSpPr>
         <p:spPr>
           <a:xfrm>
-            <a:off x="1990164" y="2926211"/>
-            <a:ext cx="9064689" cy="1015663"/>
+            <a:off x="1909482" y="2574649"/>
+            <a:ext cx="9708778" cy="707886"/>
           </a:xfrm>
           <a:prstGeom prst="rect">
             <a:avLst/>
@@ -5309,13 +5158,89 @@
                 <a:latin typeface="Times New Roman" panose="02020603050405020304" pitchFamily="18" charset="0"/>
                 <a:cs typeface="Times New Roman" panose="02020603050405020304" pitchFamily="18" charset="0"/>
               </a:rPr>
-              <a:t>Phát triển đại hàng order online trên ứng dụng.</a:t>
+              <a:t>Ứng đụng đễ dàng tương tác với người dùng</a:t>
             </a:r>
             <a:endParaRPr lang="en-US" sz="2000" b="1" dirty="0">
               <a:latin typeface="Times New Roman" panose="02020603050405020304" pitchFamily="18" charset="0"/>
               <a:cs typeface="Times New Roman" panose="02020603050405020304" pitchFamily="18" charset="0"/>
             </a:endParaRPr>
           </a:p>
+          <a:p>
+            <a:endParaRPr lang="en-US" sz="2000" dirty="0">
+              <a:latin typeface="Times New Roman" panose="02020603050405020304" pitchFamily="18" charset="0"/>
+              <a:cs typeface="Times New Roman" panose="02020603050405020304" pitchFamily="18" charset="0"/>
+            </a:endParaRPr>
+          </a:p>
+        </p:txBody>
+      </p:sp>
+      <p:sp>
+        <p:nvSpPr>
+          <p:cNvPr id="3" name="TextBox 2">
+            <a:extLst>
+              <a:ext uri="{FF2B5EF4-FFF2-40B4-BE49-F238E27FC236}">
+                <a16:creationId xmlns:a16="http://schemas.microsoft.com/office/drawing/2014/main" id="{330F10CA-05DF-2848-8286-6610261E4DE9}"/>
+              </a:ext>
+            </a:extLst>
+          </p:cNvPr>
+          <p:cNvSpPr txBox="1"/>
+          <p:nvPr/>
+        </p:nvSpPr>
+        <p:spPr>
+          <a:xfrm>
+            <a:off x="1451579" y="3359479"/>
+            <a:ext cx="2268570" cy="461665"/>
+          </a:xfrm>
+          <a:prstGeom prst="rect">
+            <a:avLst/>
+          </a:prstGeom>
+          <a:noFill/>
+        </p:spPr>
+        <p:txBody>
+          <a:bodyPr wrap="none" rtlCol="0">
+            <a:spAutoFit/>
+          </a:bodyPr>
+          <a:lstStyle/>
+          <a:p>
+            <a:r>
+              <a:rPr lang="en-US" sz="2400" b="1" dirty="0">
+                <a:solidFill>
+                  <a:srgbClr val="FF0000"/>
+                </a:solidFill>
+                <a:latin typeface="Times New Roman" panose="02020603050405020304" pitchFamily="18" charset="0"/>
+                <a:cs typeface="Times New Roman" panose="02020603050405020304" pitchFamily="18" charset="0"/>
+              </a:rPr>
+              <a:t>NHƯỢC ĐIỂM</a:t>
+            </a:r>
+          </a:p>
+        </p:txBody>
+      </p:sp>
+      <p:sp>
+        <p:nvSpPr>
+          <p:cNvPr id="6" name="TextBox 5">
+            <a:extLst>
+              <a:ext uri="{FF2B5EF4-FFF2-40B4-BE49-F238E27FC236}">
+                <a16:creationId xmlns:a16="http://schemas.microsoft.com/office/drawing/2014/main" id="{0F12DB63-30AC-2F45-AED1-FC24EFC9083F}"/>
+              </a:ext>
+            </a:extLst>
+          </p:cNvPr>
+          <p:cNvSpPr txBox="1"/>
+          <p:nvPr/>
+        </p:nvSpPr>
+        <p:spPr>
+          <a:xfrm>
+            <a:off x="2070847" y="3867311"/>
+            <a:ext cx="8984007" cy="1323439"/>
+          </a:xfrm>
+          <a:prstGeom prst="rect">
+            <a:avLst/>
+          </a:prstGeom>
+          <a:noFill/>
+        </p:spPr>
+        <p:txBody>
+          <a:bodyPr wrap="square" rtlCol="0">
+            <a:spAutoFit/>
+          </a:bodyPr>
+          <a:lstStyle/>
           <a:p>
             <a:pPr lvl="0"/>
             <a:r>
@@ -5330,7 +5255,7 @@
                 <a:latin typeface="Times New Roman" panose="02020603050405020304" pitchFamily="18" charset="0"/>
                 <a:cs typeface="Times New Roman" panose="02020603050405020304" pitchFamily="18" charset="0"/>
               </a:rPr>
-              <a:t>Phát triển thành mạng xã hội cho người dùng tương tác.</a:t>
+              <a:t>Ứng dụng sử dụng vps yếu vì vậy chạy còn chậm.</a:t>
             </a:r>
             <a:endParaRPr lang="en-US" sz="2000" b="1" dirty="0">
               <a:latin typeface="Times New Roman" panose="02020603050405020304" pitchFamily="18" charset="0"/>
@@ -5338,10 +5263,302 @@
             </a:endParaRPr>
           </a:p>
           <a:p>
+            <a:pPr lvl="0"/>
+            <a:r>
+              <a:rPr lang="vi-VN" sz="2000" dirty="0">
+                <a:effectLst>
+                  <a:outerShdw blurRad="38100" dist="19050" dir="2700000" algn="tl">
+                    <a:schemeClr val="dk1">
+                      <a:alpha val="40000"/>
+                    </a:schemeClr>
+                  </a:outerShdw>
+                </a:effectLst>
+                <a:latin typeface="Times New Roman" panose="02020603050405020304" pitchFamily="18" charset="0"/>
+                <a:cs typeface="Times New Roman" panose="02020603050405020304" pitchFamily="18" charset="0"/>
+              </a:rPr>
+              <a:t>Thao tác nhanh sẽ bị bugg thoát khỏi ứng dụng.</a:t>
+            </a:r>
+            <a:endParaRPr lang="en-US" sz="2000" b="1" dirty="0">
+              <a:latin typeface="Times New Roman" panose="02020603050405020304" pitchFamily="18" charset="0"/>
+              <a:cs typeface="Times New Roman" panose="02020603050405020304" pitchFamily="18" charset="0"/>
+            </a:endParaRPr>
+          </a:p>
+          <a:p>
+            <a:pPr lvl="0"/>
+            <a:r>
+              <a:rPr lang="vi-VN" sz="2000" dirty="0">
+                <a:effectLst>
+                  <a:outerShdw blurRad="38100" dist="19050" dir="2700000" algn="tl">
+                    <a:schemeClr val="dk1">
+                      <a:alpha val="40000"/>
+                    </a:schemeClr>
+                  </a:outerShdw>
+                </a:effectLst>
+                <a:latin typeface="Times New Roman" panose="02020603050405020304" pitchFamily="18" charset="0"/>
+                <a:cs typeface="Times New Roman" panose="02020603050405020304" pitchFamily="18" charset="0"/>
+              </a:rPr>
+              <a:t>Chưa kiểm soát triện để lỗi trong ứng dụng.</a:t>
+            </a:r>
+            <a:endParaRPr lang="en-US" sz="2000" b="1" dirty="0">
+              <a:latin typeface="Times New Roman" panose="02020603050405020304" pitchFamily="18" charset="0"/>
+              <a:cs typeface="Times New Roman" panose="02020603050405020304" pitchFamily="18" charset="0"/>
+            </a:endParaRPr>
+          </a:p>
+          <a:p>
             <a:endParaRPr lang="en-US" sz="2000" dirty="0">
               <a:latin typeface="Times New Roman" panose="02020603050405020304" pitchFamily="18" charset="0"/>
               <a:cs typeface="Times New Roman" panose="02020603050405020304" pitchFamily="18" charset="0"/>
             </a:endParaRPr>
+          </a:p>
+        </p:txBody>
+      </p:sp>
+      <p:sp>
+        <p:nvSpPr>
+          <p:cNvPr id="7" name="TextBox 6">
+            <a:extLst>
+              <a:ext uri="{FF2B5EF4-FFF2-40B4-BE49-F238E27FC236}">
+                <a16:creationId xmlns:a16="http://schemas.microsoft.com/office/drawing/2014/main" id="{FE47C982-E65C-4046-BC99-E572D2B18A50}"/>
+              </a:ext>
+            </a:extLst>
+          </p:cNvPr>
+          <p:cNvSpPr txBox="1"/>
+          <p:nvPr/>
+        </p:nvSpPr>
+        <p:spPr>
+          <a:xfrm>
+            <a:off x="10418618" y="5791200"/>
+            <a:ext cx="415498" cy="369332"/>
+          </a:xfrm>
+          <a:prstGeom prst="rect">
+            <a:avLst/>
+          </a:prstGeom>
+          <a:noFill/>
+        </p:spPr>
+        <p:txBody>
+          <a:bodyPr wrap="none" rtlCol="0">
+            <a:spAutoFit/>
+          </a:bodyPr>
+          <a:lstStyle/>
+          <a:p>
+            <a:r>
+              <a:rPr lang="en-US" dirty="0"/>
+              <a:t>11</a:t>
+            </a:r>
+          </a:p>
+        </p:txBody>
+      </p:sp>
+    </p:spTree>
+    <p:extLst>
+      <p:ext uri="{BB962C8B-B14F-4D97-AF65-F5344CB8AC3E}">
+        <p14:creationId xmlns:p14="http://schemas.microsoft.com/office/powerpoint/2010/main" val="2960916452"/>
+      </p:ext>
+    </p:extLst>
+  </p:cSld>
+  <p:clrMapOvr>
+    <a:masterClrMapping/>
+  </p:clrMapOvr>
+</p:sld>
+</file>
+
+<file path=ppt/slides/slide13.xml><?xml version="1.0" encoding="utf-8"?>
+<p:sld xmlns:a="http://schemas.openxmlformats.org/drawingml/2006/main" xmlns:r="http://schemas.openxmlformats.org/officeDocument/2006/relationships" xmlns:p="http://schemas.openxmlformats.org/presentationml/2006/main">
+  <p:cSld>
+    <p:spTree>
+      <p:nvGrpSpPr>
+        <p:cNvPr id="1" name=""/>
+        <p:cNvGrpSpPr/>
+        <p:nvPr/>
+      </p:nvGrpSpPr>
+      <p:grpSpPr>
+        <a:xfrm>
+          <a:off x="0" y="0"/>
+          <a:ext cx="0" cy="0"/>
+          <a:chOff x="0" y="0"/>
+          <a:chExt cx="0" cy="0"/>
+        </a:xfrm>
+      </p:grpSpPr>
+      <p:sp>
+        <p:nvSpPr>
+          <p:cNvPr id="2" name="Title 1">
+            <a:extLst>
+              <a:ext uri="{FF2B5EF4-FFF2-40B4-BE49-F238E27FC236}">
+                <a16:creationId xmlns:a16="http://schemas.microsoft.com/office/drawing/2014/main" id="{4E9A23FD-72A4-0E47-88BA-89C881D82E81}"/>
+              </a:ext>
+            </a:extLst>
+          </p:cNvPr>
+          <p:cNvSpPr>
+            <a:spLocks noGrp="1"/>
+          </p:cNvSpPr>
+          <p:nvPr>
+            <p:ph type="title"/>
+          </p:nvPr>
+        </p:nvSpPr>
+        <p:spPr/>
+        <p:txBody>
+          <a:bodyPr/>
+          <a:lstStyle/>
+          <a:p>
+            <a:pPr algn="ctr"/>
+            <a:r>
+              <a:rPr lang="en-US" b="1" dirty="0">
+                <a:latin typeface="Times New Roman" panose="02020603050405020304" pitchFamily="18" charset="0"/>
+                <a:cs typeface="Times New Roman" panose="02020603050405020304" pitchFamily="18" charset="0"/>
+              </a:rPr>
+              <a:t>KẾT LUẬN</a:t>
+            </a:r>
+          </a:p>
+        </p:txBody>
+      </p:sp>
+      <p:sp>
+        <p:nvSpPr>
+          <p:cNvPr id="4" name="TextBox 3">
+            <a:extLst>
+              <a:ext uri="{FF2B5EF4-FFF2-40B4-BE49-F238E27FC236}">
+                <a16:creationId xmlns:a16="http://schemas.microsoft.com/office/drawing/2014/main" id="{87080570-3481-3A4E-B841-1F75C74C30A7}"/>
+              </a:ext>
+            </a:extLst>
+          </p:cNvPr>
+          <p:cNvSpPr txBox="1"/>
+          <p:nvPr/>
+        </p:nvSpPr>
+        <p:spPr>
+          <a:xfrm>
+            <a:off x="1451579" y="2205317"/>
+            <a:ext cx="3342646" cy="461665"/>
+          </a:xfrm>
+          <a:prstGeom prst="rect">
+            <a:avLst/>
+          </a:prstGeom>
+          <a:noFill/>
+        </p:spPr>
+        <p:txBody>
+          <a:bodyPr wrap="none" rtlCol="0">
+            <a:spAutoFit/>
+          </a:bodyPr>
+          <a:lstStyle/>
+          <a:p>
+            <a:r>
+              <a:rPr lang="en-US" sz="2400" b="1" dirty="0">
+                <a:solidFill>
+                  <a:srgbClr val="FF0000"/>
+                </a:solidFill>
+                <a:latin typeface="Times New Roman" panose="02020603050405020304" pitchFamily="18" charset="0"/>
+                <a:cs typeface="Times New Roman" panose="02020603050405020304" pitchFamily="18" charset="0"/>
+              </a:rPr>
+              <a:t>HƯỚNG PHÁT TRIỂN</a:t>
+            </a:r>
+          </a:p>
+        </p:txBody>
+      </p:sp>
+      <p:sp>
+        <p:nvSpPr>
+          <p:cNvPr id="7" name="TextBox 6">
+            <a:extLst>
+              <a:ext uri="{FF2B5EF4-FFF2-40B4-BE49-F238E27FC236}">
+                <a16:creationId xmlns:a16="http://schemas.microsoft.com/office/drawing/2014/main" id="{2F39DC30-629D-9D45-A910-3CFD3A547641}"/>
+              </a:ext>
+            </a:extLst>
+          </p:cNvPr>
+          <p:cNvSpPr txBox="1"/>
+          <p:nvPr/>
+        </p:nvSpPr>
+        <p:spPr>
+          <a:xfrm>
+            <a:off x="1990164" y="2926211"/>
+            <a:ext cx="9064689" cy="1015663"/>
+          </a:xfrm>
+          <a:prstGeom prst="rect">
+            <a:avLst/>
+          </a:prstGeom>
+          <a:noFill/>
+        </p:spPr>
+        <p:txBody>
+          <a:bodyPr wrap="square" rtlCol="0">
+            <a:spAutoFit/>
+          </a:bodyPr>
+          <a:lstStyle/>
+          <a:p>
+            <a:pPr lvl="0"/>
+            <a:r>
+              <a:rPr lang="vi-VN" sz="2000" dirty="0">
+                <a:effectLst>
+                  <a:outerShdw blurRad="38100" dist="19050" dir="2700000" algn="tl">
+                    <a:schemeClr val="dk1">
+                      <a:alpha val="40000"/>
+                    </a:schemeClr>
+                  </a:outerShdw>
+                </a:effectLst>
+                <a:latin typeface="Times New Roman" panose="02020603050405020304" pitchFamily="18" charset="0"/>
+                <a:cs typeface="Times New Roman" panose="02020603050405020304" pitchFamily="18" charset="0"/>
+              </a:rPr>
+              <a:t>Phát triển đại hàng order online trên ứng dụng.</a:t>
+            </a:r>
+            <a:endParaRPr lang="en-US" sz="2000" b="1" dirty="0">
+              <a:latin typeface="Times New Roman" panose="02020603050405020304" pitchFamily="18" charset="0"/>
+              <a:cs typeface="Times New Roman" panose="02020603050405020304" pitchFamily="18" charset="0"/>
+            </a:endParaRPr>
+          </a:p>
+          <a:p>
+            <a:pPr lvl="0"/>
+            <a:r>
+              <a:rPr lang="vi-VN" sz="2000" dirty="0">
+                <a:effectLst>
+                  <a:outerShdw blurRad="38100" dist="19050" dir="2700000" algn="tl">
+                    <a:schemeClr val="dk1">
+                      <a:alpha val="40000"/>
+                    </a:schemeClr>
+                  </a:outerShdw>
+                </a:effectLst>
+                <a:latin typeface="Times New Roman" panose="02020603050405020304" pitchFamily="18" charset="0"/>
+                <a:cs typeface="Times New Roman" panose="02020603050405020304" pitchFamily="18" charset="0"/>
+              </a:rPr>
+              <a:t>Phát triển thành mạng xã hội cho người dùng tương tác.</a:t>
+            </a:r>
+            <a:endParaRPr lang="en-US" sz="2000" b="1" dirty="0">
+              <a:latin typeface="Times New Roman" panose="02020603050405020304" pitchFamily="18" charset="0"/>
+              <a:cs typeface="Times New Roman" panose="02020603050405020304" pitchFamily="18" charset="0"/>
+            </a:endParaRPr>
+          </a:p>
+          <a:p>
+            <a:endParaRPr lang="en-US" sz="2000" dirty="0">
+              <a:latin typeface="Times New Roman" panose="02020603050405020304" pitchFamily="18" charset="0"/>
+              <a:cs typeface="Times New Roman" panose="02020603050405020304" pitchFamily="18" charset="0"/>
+            </a:endParaRPr>
+          </a:p>
+        </p:txBody>
+      </p:sp>
+      <p:sp>
+        <p:nvSpPr>
+          <p:cNvPr id="3" name="TextBox 2">
+            <a:extLst>
+              <a:ext uri="{FF2B5EF4-FFF2-40B4-BE49-F238E27FC236}">
+                <a16:creationId xmlns:a16="http://schemas.microsoft.com/office/drawing/2014/main" id="{8A9E2C25-3A16-7241-8CBD-683DAB95D923}"/>
+              </a:ext>
+            </a:extLst>
+          </p:cNvPr>
+          <p:cNvSpPr txBox="1"/>
+          <p:nvPr/>
+        </p:nvSpPr>
+        <p:spPr>
+          <a:xfrm>
+            <a:off x="10639355" y="5763491"/>
+            <a:ext cx="415498" cy="369332"/>
+          </a:xfrm>
+          <a:prstGeom prst="rect">
+            <a:avLst/>
+          </a:prstGeom>
+          <a:noFill/>
+        </p:spPr>
+        <p:txBody>
+          <a:bodyPr wrap="none" rtlCol="0">
+            <a:spAutoFit/>
+          </a:bodyPr>
+          <a:lstStyle/>
+          <a:p>
+            <a:r>
+              <a:rPr lang="en-US" dirty="0"/>
+              <a:t>12</a:t>
+            </a:r>
           </a:p>
         </p:txBody>
       </p:sp>
@@ -5358,7 +5575,7 @@
 </p:sld>
 </file>
 
-<file path=ppt/slides/slide13.xml><?xml version="1.0" encoding="utf-8"?>
+<file path=ppt/slides/slide14.xml><?xml version="1.0" encoding="utf-8"?>
 <p:sld xmlns:a="http://schemas.openxmlformats.org/drawingml/2006/main" xmlns:r="http://schemas.openxmlformats.org/officeDocument/2006/relationships" xmlns:p="http://schemas.openxmlformats.org/presentationml/2006/main">
   <p:cSld>
     <p:spTree>
@@ -6382,6 +6599,41 @@
           </a:p>
         </p:txBody>
       </p:sp>
+      <p:sp>
+        <p:nvSpPr>
+          <p:cNvPr id="2" name="TextBox 1">
+            <a:extLst>
+              <a:ext uri="{FF2B5EF4-FFF2-40B4-BE49-F238E27FC236}">
+                <a16:creationId xmlns:a16="http://schemas.microsoft.com/office/drawing/2014/main" id="{F986719C-0149-4C41-82F3-E1BEF143CE1D}"/>
+              </a:ext>
+            </a:extLst>
+          </p:cNvPr>
+          <p:cNvSpPr txBox="1"/>
+          <p:nvPr/>
+        </p:nvSpPr>
+        <p:spPr>
+          <a:xfrm>
+            <a:off x="10612582" y="5818909"/>
+            <a:ext cx="300082" cy="369332"/>
+          </a:xfrm>
+          <a:prstGeom prst="rect">
+            <a:avLst/>
+          </a:prstGeom>
+          <a:noFill/>
+        </p:spPr>
+        <p:txBody>
+          <a:bodyPr wrap="none" rtlCol="0">
+            <a:spAutoFit/>
+          </a:bodyPr>
+          <a:lstStyle/>
+          <a:p>
+            <a:r>
+              <a:rPr lang="en-US" dirty="0"/>
+              <a:t>1</a:t>
+            </a:r>
+          </a:p>
+        </p:txBody>
+      </p:sp>
     </p:spTree>
     <p:extLst>
       <p:ext uri="{BB962C8B-B14F-4D97-AF65-F5344CB8AC3E}">
@@ -6524,6 +6776,41 @@
           </a:p>
         </p:txBody>
       </p:sp>
+      <p:sp>
+        <p:nvSpPr>
+          <p:cNvPr id="3" name="TextBox 2">
+            <a:extLst>
+              <a:ext uri="{FF2B5EF4-FFF2-40B4-BE49-F238E27FC236}">
+                <a16:creationId xmlns:a16="http://schemas.microsoft.com/office/drawing/2014/main" id="{22B8CAA5-56CD-9C40-ABB8-15462DF22006}"/>
+              </a:ext>
+            </a:extLst>
+          </p:cNvPr>
+          <p:cNvSpPr txBox="1"/>
+          <p:nvPr/>
+        </p:nvSpPr>
+        <p:spPr>
+          <a:xfrm>
+            <a:off x="10723418" y="5846618"/>
+            <a:ext cx="300082" cy="369332"/>
+          </a:xfrm>
+          <a:prstGeom prst="rect">
+            <a:avLst/>
+          </a:prstGeom>
+          <a:noFill/>
+        </p:spPr>
+        <p:txBody>
+          <a:bodyPr wrap="none" rtlCol="0">
+            <a:spAutoFit/>
+          </a:bodyPr>
+          <a:lstStyle/>
+          <a:p>
+            <a:r>
+              <a:rPr lang="en-US" dirty="0"/>
+              <a:t>2</a:t>
+            </a:r>
+          </a:p>
+        </p:txBody>
+      </p:sp>
     </p:spTree>
     <p:extLst>
       <p:ext uri="{BB962C8B-B14F-4D97-AF65-F5344CB8AC3E}">
@@ -6666,6 +6953,41 @@
           </a:p>
         </p:txBody>
       </p:sp>
+      <p:sp>
+        <p:nvSpPr>
+          <p:cNvPr id="3" name="TextBox 2">
+            <a:extLst>
+              <a:ext uri="{FF2B5EF4-FFF2-40B4-BE49-F238E27FC236}">
+                <a16:creationId xmlns:a16="http://schemas.microsoft.com/office/drawing/2014/main" id="{B8B9F2D3-0165-FC4F-B8F6-C0A3A9B27B2B}"/>
+              </a:ext>
+            </a:extLst>
+          </p:cNvPr>
+          <p:cNvSpPr txBox="1"/>
+          <p:nvPr/>
+        </p:nvSpPr>
+        <p:spPr>
+          <a:xfrm>
+            <a:off x="10754772" y="5687849"/>
+            <a:ext cx="300082" cy="369332"/>
+          </a:xfrm>
+          <a:prstGeom prst="rect">
+            <a:avLst/>
+          </a:prstGeom>
+          <a:noFill/>
+        </p:spPr>
+        <p:txBody>
+          <a:bodyPr wrap="none" rtlCol="0">
+            <a:spAutoFit/>
+          </a:bodyPr>
+          <a:lstStyle/>
+          <a:p>
+            <a:r>
+              <a:rPr lang="en-US" dirty="0"/>
+              <a:t>3</a:t>
+            </a:r>
+          </a:p>
+        </p:txBody>
+      </p:sp>
     </p:spTree>
     <p:extLst>
       <p:ext uri="{BB962C8B-B14F-4D97-AF65-F5344CB8AC3E}">
@@ -6825,6 +7147,41 @@
           </a:p>
         </p:txBody>
       </p:sp>
+      <p:sp>
+        <p:nvSpPr>
+          <p:cNvPr id="3" name="TextBox 2">
+            <a:extLst>
+              <a:ext uri="{FF2B5EF4-FFF2-40B4-BE49-F238E27FC236}">
+                <a16:creationId xmlns:a16="http://schemas.microsoft.com/office/drawing/2014/main" id="{2BA6D3EB-6A6F-9845-AA43-E5EA6787D59F}"/>
+              </a:ext>
+            </a:extLst>
+          </p:cNvPr>
+          <p:cNvSpPr txBox="1"/>
+          <p:nvPr/>
+        </p:nvSpPr>
+        <p:spPr>
+          <a:xfrm>
+            <a:off x="10481196" y="5818909"/>
+            <a:ext cx="300082" cy="369332"/>
+          </a:xfrm>
+          <a:prstGeom prst="rect">
+            <a:avLst/>
+          </a:prstGeom>
+          <a:noFill/>
+        </p:spPr>
+        <p:txBody>
+          <a:bodyPr wrap="none" rtlCol="0">
+            <a:spAutoFit/>
+          </a:bodyPr>
+          <a:lstStyle/>
+          <a:p>
+            <a:r>
+              <a:rPr lang="en-US" dirty="0"/>
+              <a:t>4</a:t>
+            </a:r>
+          </a:p>
+        </p:txBody>
+      </p:sp>
     </p:spTree>
     <p:extLst>
       <p:ext uri="{BB962C8B-B14F-4D97-AF65-F5344CB8AC3E}">
@@ -6860,7 +7217,7 @@
           <p:cNvPr id="2" name="Title 1">
             <a:extLst>
               <a:ext uri="{FF2B5EF4-FFF2-40B4-BE49-F238E27FC236}">
-                <a16:creationId xmlns:a16="http://schemas.microsoft.com/office/drawing/2014/main" id="{9EC844D0-8121-F94A-8A8E-4D5E4D87C0E1}"/>
+                <a16:creationId xmlns:a16="http://schemas.microsoft.com/office/drawing/2014/main" id="{DF60FD24-4E9B-8946-8774-93F3CE17A73E}"/>
               </a:ext>
             </a:extLst>
           </p:cNvPr>
@@ -6882,62 +7239,182 @@
                 <a:latin typeface="Times New Roman" panose="02020603050405020304" pitchFamily="18" charset="0"/>
                 <a:cs typeface="Times New Roman" panose="02020603050405020304" pitchFamily="18" charset="0"/>
               </a:rPr>
-              <a:t>GIỚI THIỆU PHẦN MỀM</a:t>
-            </a:r>
-          </a:p>
-        </p:txBody>
-      </p:sp>
-      <p:sp>
-        <p:nvSpPr>
-          <p:cNvPr id="4" name="TextBox 3">
+              <a:t>KHẢO SÁT HIỆN TRẠNG</a:t>
+            </a:r>
+            <a:endParaRPr lang="en-US" dirty="0"/>
+          </a:p>
+        </p:txBody>
+      </p:sp>
+      <p:cxnSp>
+        <p:nvCxnSpPr>
+          <p:cNvPr id="30" name="Straight Arrow Connector 29">
             <a:extLst>
               <a:ext uri="{FF2B5EF4-FFF2-40B4-BE49-F238E27FC236}">
-                <a16:creationId xmlns:a16="http://schemas.microsoft.com/office/drawing/2014/main" id="{A354E9E2-D89C-CB44-8E44-19FEB2AD3AAA}"/>
+                <a16:creationId xmlns:a16="http://schemas.microsoft.com/office/drawing/2014/main" id="{FE8BACC0-FCAB-7D45-B463-F2ED6870AD86}"/>
               </a:ext>
             </a:extLst>
           </p:cNvPr>
-          <p:cNvSpPr txBox="1"/>
+          <p:cNvCxnSpPr>
+            <a:endCxn id="35" idx="3"/>
+          </p:cNvCxnSpPr>
           <p:nvPr/>
-        </p:nvSpPr>
-        <p:spPr>
-          <a:xfrm>
-            <a:off x="1451579" y="2366683"/>
-            <a:ext cx="3692421" cy="492443"/>
-          </a:xfrm>
-          <a:prstGeom prst="rect">
+        </p:nvCxnSpPr>
+        <p:spPr>
+          <a:xfrm flipH="1" flipV="1">
+            <a:off x="3584386" y="2704454"/>
+            <a:ext cx="1397262" cy="54836"/>
+          </a:xfrm>
+          <a:prstGeom prst="straightConnector1">
             <a:avLst/>
           </a:prstGeom>
-          <a:noFill/>
-        </p:spPr>
-        <p:txBody>
-          <a:bodyPr wrap="none" rtlCol="0">
-            <a:spAutoFit/>
-          </a:bodyPr>
-          <a:lstStyle/>
-          <a:p>
-            <a:r>
-              <a:rPr lang="en-US" sz="2600" b="1" dirty="0">
-                <a:solidFill>
-                  <a:srgbClr val="FF0000"/>
-                </a:solidFill>
-                <a:latin typeface="Times New Roman" panose="02020603050405020304" pitchFamily="18" charset="0"/>
-                <a:cs typeface="Times New Roman" panose="02020603050405020304" pitchFamily="18" charset="0"/>
-              </a:rPr>
-              <a:t>USE CASE HỆ THỐNG</a:t>
-            </a:r>
-          </a:p>
-        </p:txBody>
-      </p:sp>
+          <a:ln>
+            <a:tailEnd type="triangle"/>
+          </a:ln>
+        </p:spPr>
+        <p:style>
+          <a:lnRef idx="1">
+            <a:schemeClr val="accent1"/>
+          </a:lnRef>
+          <a:fillRef idx="0">
+            <a:schemeClr val="accent1"/>
+          </a:fillRef>
+          <a:effectRef idx="0">
+            <a:schemeClr val="accent1"/>
+          </a:effectRef>
+          <a:fontRef idx="minor">
+            <a:schemeClr val="tx1"/>
+          </a:fontRef>
+        </p:style>
+      </p:cxnSp>
+      <p:cxnSp>
+        <p:nvCxnSpPr>
+          <p:cNvPr id="31" name="Straight Arrow Connector 30">
+            <a:extLst>
+              <a:ext uri="{FF2B5EF4-FFF2-40B4-BE49-F238E27FC236}">
+                <a16:creationId xmlns:a16="http://schemas.microsoft.com/office/drawing/2014/main" id="{195CD8DE-5C8F-0847-8CB0-564DE08F178A}"/>
+              </a:ext>
+            </a:extLst>
+          </p:cNvPr>
+          <p:cNvCxnSpPr/>
+          <p:nvPr/>
+        </p:nvCxnSpPr>
+        <p:spPr>
+          <a:xfrm>
+            <a:off x="6701692" y="3314701"/>
+            <a:ext cx="994221" cy="535970"/>
+          </a:xfrm>
+          <a:prstGeom prst="straightConnector1">
+            <a:avLst/>
+          </a:prstGeom>
+          <a:ln>
+            <a:tailEnd type="triangle"/>
+          </a:ln>
+        </p:spPr>
+        <p:style>
+          <a:lnRef idx="1">
+            <a:schemeClr val="accent1"/>
+          </a:lnRef>
+          <a:fillRef idx="0">
+            <a:schemeClr val="accent1"/>
+          </a:fillRef>
+          <a:effectRef idx="0">
+            <a:schemeClr val="accent1"/>
+          </a:effectRef>
+          <a:fontRef idx="minor">
+            <a:schemeClr val="tx1"/>
+          </a:fontRef>
+        </p:style>
+      </p:cxnSp>
+      <p:cxnSp>
+        <p:nvCxnSpPr>
+          <p:cNvPr id="32" name="Straight Arrow Connector 31">
+            <a:extLst>
+              <a:ext uri="{FF2B5EF4-FFF2-40B4-BE49-F238E27FC236}">
+                <a16:creationId xmlns:a16="http://schemas.microsoft.com/office/drawing/2014/main" id="{2D0E1259-C9D7-C74F-A390-B4F5C83ADF91}"/>
+              </a:ext>
+            </a:extLst>
+          </p:cNvPr>
+          <p:cNvCxnSpPr/>
+          <p:nvPr/>
+        </p:nvCxnSpPr>
+        <p:spPr>
+          <a:xfrm flipH="1">
+            <a:off x="5902375" y="3734893"/>
+            <a:ext cx="2339" cy="406837"/>
+          </a:xfrm>
+          <a:prstGeom prst="straightConnector1">
+            <a:avLst/>
+          </a:prstGeom>
+          <a:ln>
+            <a:tailEnd type="triangle"/>
+          </a:ln>
+        </p:spPr>
+        <p:style>
+          <a:lnRef idx="1">
+            <a:schemeClr val="accent1"/>
+          </a:lnRef>
+          <a:fillRef idx="0">
+            <a:schemeClr val="accent1"/>
+          </a:fillRef>
+          <a:effectRef idx="0">
+            <a:schemeClr val="accent1"/>
+          </a:effectRef>
+          <a:fontRef idx="minor">
+            <a:schemeClr val="tx1"/>
+          </a:fontRef>
+        </p:style>
+      </p:cxnSp>
+      <p:cxnSp>
+        <p:nvCxnSpPr>
+          <p:cNvPr id="33" name="Straight Arrow Connector 32">
+            <a:extLst>
+              <a:ext uri="{FF2B5EF4-FFF2-40B4-BE49-F238E27FC236}">
+                <a16:creationId xmlns:a16="http://schemas.microsoft.com/office/drawing/2014/main" id="{03603862-269F-6E4F-B8D3-1C71D0332E46}"/>
+              </a:ext>
+            </a:extLst>
+          </p:cNvPr>
+          <p:cNvCxnSpPr/>
+          <p:nvPr/>
+        </p:nvCxnSpPr>
+        <p:spPr>
+          <a:xfrm flipH="1">
+            <a:off x="3913723" y="3374436"/>
+            <a:ext cx="1010802" cy="388310"/>
+          </a:xfrm>
+          <a:prstGeom prst="straightConnector1">
+            <a:avLst/>
+          </a:prstGeom>
+          <a:ln>
+            <a:tailEnd type="triangle"/>
+          </a:ln>
+        </p:spPr>
+        <p:style>
+          <a:lnRef idx="1">
+            <a:schemeClr val="accent1"/>
+          </a:lnRef>
+          <a:fillRef idx="0">
+            <a:schemeClr val="accent1"/>
+          </a:fillRef>
+          <a:effectRef idx="0">
+            <a:schemeClr val="accent1"/>
+          </a:effectRef>
+          <a:fontRef idx="minor">
+            <a:schemeClr val="tx1"/>
+          </a:fontRef>
+        </p:style>
+      </p:cxnSp>
       <p:pic>
         <p:nvPicPr>
-          <p:cNvPr id="5" name="Picture 4">
+          <p:cNvPr id="34" name="Picture 33">
             <a:extLst>
               <a:ext uri="{FF2B5EF4-FFF2-40B4-BE49-F238E27FC236}">
-                <a16:creationId xmlns:a16="http://schemas.microsoft.com/office/drawing/2014/main" id="{4C097E0B-60C4-C54B-AE83-4FA3A4666FD1}"/>
+                <a16:creationId xmlns:a16="http://schemas.microsoft.com/office/drawing/2014/main" id="{FC8D9100-7915-8949-897F-2FD34FFDB2D9}"/>
               </a:ext>
             </a:extLst>
           </p:cNvPr>
-          <p:cNvPicPr/>
+          <p:cNvPicPr>
+            <a:picLocks noChangeAspect="1"/>
+          </p:cNvPicPr>
           <p:nvPr/>
         </p:nvPicPr>
         <p:blipFill>
@@ -6954,24 +7431,1185 @@
         </p:blipFill>
         <p:spPr>
           <a:xfrm>
-            <a:off x="5144000" y="2366683"/>
-            <a:ext cx="5690255" cy="3284855"/>
+            <a:off x="5088473" y="2134618"/>
+            <a:ext cx="1518613" cy="1433973"/>
           </a:xfrm>
           <a:prstGeom prst="rect">
             <a:avLst/>
           </a:prstGeom>
         </p:spPr>
       </p:pic>
+      <p:pic>
+        <p:nvPicPr>
+          <p:cNvPr id="35" name="Picture 34">
+            <a:extLst>
+              <a:ext uri="{FF2B5EF4-FFF2-40B4-BE49-F238E27FC236}">
+                <a16:creationId xmlns:a16="http://schemas.microsoft.com/office/drawing/2014/main" id="{3095142E-95B8-F842-AE7C-0744F338BBF1}"/>
+              </a:ext>
+            </a:extLst>
+          </p:cNvPr>
+          <p:cNvPicPr>
+            <a:picLocks noChangeAspect="1"/>
+          </p:cNvPicPr>
+          <p:nvPr/>
+        </p:nvPicPr>
+        <p:blipFill>
+          <a:blip r:embed="rId3" cstate="print">
+            <a:extLst>
+              <a:ext uri="{28A0092B-C50C-407E-A947-70E740481C1C}">
+                <a14:useLocalDpi xmlns:a14="http://schemas.microsoft.com/office/drawing/2010/main" val="0"/>
+              </a:ext>
+            </a:extLst>
+          </a:blip>
+          <a:stretch>
+            <a:fillRect/>
+          </a:stretch>
+        </p:blipFill>
+        <p:spPr>
+          <a:xfrm>
+            <a:off x="2233895" y="2181236"/>
+            <a:ext cx="1350491" cy="1046436"/>
+          </a:xfrm>
+          <a:prstGeom prst="rect">
+            <a:avLst/>
+          </a:prstGeom>
+        </p:spPr>
+      </p:pic>
+      <p:sp>
+        <p:nvSpPr>
+          <p:cNvPr id="36" name="Rectangle 35">
+            <a:extLst>
+              <a:ext uri="{FF2B5EF4-FFF2-40B4-BE49-F238E27FC236}">
+                <a16:creationId xmlns:a16="http://schemas.microsoft.com/office/drawing/2014/main" id="{D2EAE3DB-479E-8246-B646-5C8C1E7B3E49}"/>
+              </a:ext>
+            </a:extLst>
+          </p:cNvPr>
+          <p:cNvSpPr/>
+          <p:nvPr/>
+        </p:nvSpPr>
+        <p:spPr>
+          <a:xfrm>
+            <a:off x="2233895" y="3227672"/>
+            <a:ext cx="1186543" cy="400110"/>
+          </a:xfrm>
+          <a:prstGeom prst="rect">
+            <a:avLst/>
+          </a:prstGeom>
+        </p:spPr>
+        <p:txBody>
+          <a:bodyPr wrap="none">
+            <a:spAutoFit/>
+          </a:bodyPr>
+          <a:lstStyle/>
+          <a:p>
+            <a:r>
+              <a:rPr lang="en-US" sz="2000" dirty="0">
+                <a:latin typeface="Times New Roman" panose="02020603050405020304" pitchFamily="18" charset="0"/>
+                <a:cs typeface="Times New Roman" panose="02020603050405020304" pitchFamily="18" charset="0"/>
+              </a:rPr>
+              <a:t>Tìm kiếm</a:t>
+            </a:r>
+            <a:endParaRPr lang="en-US" sz="2000" dirty="0"/>
+          </a:p>
+        </p:txBody>
+      </p:sp>
+      <p:pic>
+        <p:nvPicPr>
+          <p:cNvPr id="37" name="Picture 36">
+            <a:extLst>
+              <a:ext uri="{FF2B5EF4-FFF2-40B4-BE49-F238E27FC236}">
+                <a16:creationId xmlns:a16="http://schemas.microsoft.com/office/drawing/2014/main" id="{9F5DFEC5-2BDB-6444-A0C1-596E12CE342E}"/>
+              </a:ext>
+            </a:extLst>
+          </p:cNvPr>
+          <p:cNvPicPr>
+            <a:picLocks noChangeAspect="1"/>
+          </p:cNvPicPr>
+          <p:nvPr/>
+        </p:nvPicPr>
+        <p:blipFill>
+          <a:blip r:embed="rId4">
+            <a:extLst>
+              <a:ext uri="{28A0092B-C50C-407E-A947-70E740481C1C}">
+                <a14:useLocalDpi xmlns:a14="http://schemas.microsoft.com/office/drawing/2010/main" val="0"/>
+              </a:ext>
+            </a:extLst>
+          </a:blip>
+          <a:stretch>
+            <a:fillRect/>
+          </a:stretch>
+        </p:blipFill>
+        <p:spPr>
+          <a:xfrm>
+            <a:off x="2579885" y="3948351"/>
+            <a:ext cx="1406446" cy="986990"/>
+          </a:xfrm>
+          <a:prstGeom prst="rect">
+            <a:avLst/>
+          </a:prstGeom>
+        </p:spPr>
+      </p:pic>
+      <p:sp>
+        <p:nvSpPr>
+          <p:cNvPr id="38" name="Rectangle 37">
+            <a:extLst>
+              <a:ext uri="{FF2B5EF4-FFF2-40B4-BE49-F238E27FC236}">
+                <a16:creationId xmlns:a16="http://schemas.microsoft.com/office/drawing/2014/main" id="{5881BA84-DF6F-554C-8CC8-E8EF55A7B083}"/>
+              </a:ext>
+            </a:extLst>
+          </p:cNvPr>
+          <p:cNvSpPr/>
+          <p:nvPr/>
+        </p:nvSpPr>
+        <p:spPr>
+          <a:xfrm>
+            <a:off x="2827166" y="5028952"/>
+            <a:ext cx="946093" cy="400110"/>
+          </a:xfrm>
+          <a:prstGeom prst="rect">
+            <a:avLst/>
+          </a:prstGeom>
+        </p:spPr>
+        <p:txBody>
+          <a:bodyPr wrap="none">
+            <a:spAutoFit/>
+          </a:bodyPr>
+          <a:lstStyle/>
+          <a:p>
+            <a:r>
+              <a:rPr lang="en-US" sz="2000" dirty="0">
+                <a:latin typeface="Times New Roman" panose="02020603050405020304" pitchFamily="18" charset="0"/>
+                <a:cs typeface="Times New Roman" panose="02020603050405020304" pitchFamily="18" charset="0"/>
+              </a:rPr>
+              <a:t>Chia sẻ</a:t>
+            </a:r>
+            <a:endParaRPr lang="en-US" sz="2000" dirty="0"/>
+          </a:p>
+        </p:txBody>
+      </p:sp>
+      <p:pic>
+        <p:nvPicPr>
+          <p:cNvPr id="39" name="Picture 38">
+            <a:extLst>
+              <a:ext uri="{FF2B5EF4-FFF2-40B4-BE49-F238E27FC236}">
+                <a16:creationId xmlns:a16="http://schemas.microsoft.com/office/drawing/2014/main" id="{00405632-2D49-4344-ACC9-EDD53C4E6868}"/>
+              </a:ext>
+            </a:extLst>
+          </p:cNvPr>
+          <p:cNvPicPr>
+            <a:picLocks noChangeAspect="1"/>
+          </p:cNvPicPr>
+          <p:nvPr/>
+        </p:nvPicPr>
+        <p:blipFill>
+          <a:blip r:embed="rId5" cstate="print">
+            <a:extLst>
+              <a:ext uri="{28A0092B-C50C-407E-A947-70E740481C1C}">
+                <a14:useLocalDpi xmlns:a14="http://schemas.microsoft.com/office/drawing/2010/main" val="0"/>
+              </a:ext>
+            </a:extLst>
+          </a:blip>
+          <a:stretch>
+            <a:fillRect/>
+          </a:stretch>
+        </p:blipFill>
+        <p:spPr>
+          <a:xfrm>
+            <a:off x="5173588" y="4186604"/>
+            <a:ext cx="1462253" cy="1037653"/>
+          </a:xfrm>
+          <a:prstGeom prst="rect">
+            <a:avLst/>
+          </a:prstGeom>
+        </p:spPr>
+      </p:pic>
+      <p:sp>
+        <p:nvSpPr>
+          <p:cNvPr id="40" name="Rectangle 39">
+            <a:extLst>
+              <a:ext uri="{FF2B5EF4-FFF2-40B4-BE49-F238E27FC236}">
+                <a16:creationId xmlns:a16="http://schemas.microsoft.com/office/drawing/2014/main" id="{1277469C-8AE5-2E49-B2B9-75B0C636612E}"/>
+              </a:ext>
+            </a:extLst>
+          </p:cNvPr>
+          <p:cNvSpPr/>
+          <p:nvPr/>
+        </p:nvSpPr>
+        <p:spPr>
+          <a:xfrm>
+            <a:off x="5427945" y="5269131"/>
+            <a:ext cx="1117614" cy="400110"/>
+          </a:xfrm>
+          <a:prstGeom prst="rect">
+            <a:avLst/>
+          </a:prstGeom>
+        </p:spPr>
+        <p:txBody>
+          <a:bodyPr wrap="none">
+            <a:spAutoFit/>
+          </a:bodyPr>
+          <a:lstStyle/>
+          <a:p>
+            <a:r>
+              <a:rPr lang="en-US" sz="2000" dirty="0">
+                <a:latin typeface="Times New Roman" panose="02020603050405020304" pitchFamily="18" charset="0"/>
+                <a:cs typeface="Times New Roman" panose="02020603050405020304" pitchFamily="18" charset="0"/>
+              </a:rPr>
+              <a:t>Đánh giá</a:t>
+            </a:r>
+            <a:endParaRPr lang="en-US" sz="2000" dirty="0"/>
+          </a:p>
+        </p:txBody>
+      </p:sp>
+      <p:pic>
+        <p:nvPicPr>
+          <p:cNvPr id="41" name="Picture 40">
+            <a:extLst>
+              <a:ext uri="{FF2B5EF4-FFF2-40B4-BE49-F238E27FC236}">
+                <a16:creationId xmlns:a16="http://schemas.microsoft.com/office/drawing/2014/main" id="{3B7C974B-B99B-404B-B5C0-1FE2A60BA60C}"/>
+              </a:ext>
+            </a:extLst>
+          </p:cNvPr>
+          <p:cNvPicPr>
+            <a:picLocks noChangeAspect="1"/>
+          </p:cNvPicPr>
+          <p:nvPr/>
+        </p:nvPicPr>
+        <p:blipFill>
+          <a:blip r:embed="rId6" cstate="print">
+            <a:extLst>
+              <a:ext uri="{28A0092B-C50C-407E-A947-70E740481C1C}">
+                <a14:useLocalDpi xmlns:a14="http://schemas.microsoft.com/office/drawing/2010/main" val="0"/>
+              </a:ext>
+            </a:extLst>
+          </a:blip>
+          <a:stretch>
+            <a:fillRect/>
+          </a:stretch>
+        </p:blipFill>
+        <p:spPr>
+          <a:xfrm>
+            <a:off x="7860928" y="3888905"/>
+            <a:ext cx="1190146" cy="1046436"/>
+          </a:xfrm>
+          <a:prstGeom prst="rect">
+            <a:avLst/>
+          </a:prstGeom>
+        </p:spPr>
+      </p:pic>
+      <p:sp>
+        <p:nvSpPr>
+          <p:cNvPr id="42" name="Rectangle 41">
+            <a:extLst>
+              <a:ext uri="{FF2B5EF4-FFF2-40B4-BE49-F238E27FC236}">
+                <a16:creationId xmlns:a16="http://schemas.microsoft.com/office/drawing/2014/main" id="{3127FF0E-9EF0-AF42-97F0-03BD9FBA1F9A}"/>
+              </a:ext>
+            </a:extLst>
+          </p:cNvPr>
+          <p:cNvSpPr/>
+          <p:nvPr/>
+        </p:nvSpPr>
+        <p:spPr>
+          <a:xfrm>
+            <a:off x="7948308" y="4869021"/>
+            <a:ext cx="1188146" cy="400110"/>
+          </a:xfrm>
+          <a:prstGeom prst="rect">
+            <a:avLst/>
+          </a:prstGeom>
+        </p:spPr>
+        <p:txBody>
+          <a:bodyPr wrap="none">
+            <a:spAutoFit/>
+          </a:bodyPr>
+          <a:lstStyle/>
+          <a:p>
+            <a:r>
+              <a:rPr lang="en-US" sz="2000" dirty="0">
+                <a:latin typeface="Times New Roman" panose="02020603050405020304" pitchFamily="18" charset="0"/>
+                <a:cs typeface="Times New Roman" panose="02020603050405020304" pitchFamily="18" charset="0"/>
+              </a:rPr>
+              <a:t>Bình luận</a:t>
+            </a:r>
+            <a:endParaRPr lang="en-US" sz="2000" dirty="0"/>
+          </a:p>
+        </p:txBody>
+      </p:sp>
+      <p:cxnSp>
+        <p:nvCxnSpPr>
+          <p:cNvPr id="43" name="Straight Arrow Connector 42">
+            <a:extLst>
+              <a:ext uri="{FF2B5EF4-FFF2-40B4-BE49-F238E27FC236}">
+                <a16:creationId xmlns:a16="http://schemas.microsoft.com/office/drawing/2014/main" id="{C10D1826-BCA5-C343-861B-4864425B268C}"/>
+              </a:ext>
+            </a:extLst>
+          </p:cNvPr>
+          <p:cNvCxnSpPr/>
+          <p:nvPr/>
+        </p:nvCxnSpPr>
+        <p:spPr>
+          <a:xfrm flipV="1">
+            <a:off x="6701692" y="2704454"/>
+            <a:ext cx="1322564" cy="54836"/>
+          </a:xfrm>
+          <a:prstGeom prst="straightConnector1">
+            <a:avLst/>
+          </a:prstGeom>
+          <a:ln>
+            <a:tailEnd type="triangle"/>
+          </a:ln>
+        </p:spPr>
+        <p:style>
+          <a:lnRef idx="1">
+            <a:schemeClr val="accent1"/>
+          </a:lnRef>
+          <a:fillRef idx="0">
+            <a:schemeClr val="accent1"/>
+          </a:fillRef>
+          <a:effectRef idx="0">
+            <a:schemeClr val="accent1"/>
+          </a:effectRef>
+          <a:fontRef idx="minor">
+            <a:schemeClr val="tx1"/>
+          </a:fontRef>
+        </p:style>
+      </p:cxnSp>
+      <p:pic>
+        <p:nvPicPr>
+          <p:cNvPr id="44" name="Picture 43">
+            <a:extLst>
+              <a:ext uri="{FF2B5EF4-FFF2-40B4-BE49-F238E27FC236}">
+                <a16:creationId xmlns:a16="http://schemas.microsoft.com/office/drawing/2014/main" id="{73C1C8EA-025C-7F44-BCC8-F00B3415F7B9}"/>
+              </a:ext>
+            </a:extLst>
+          </p:cNvPr>
+          <p:cNvPicPr>
+            <a:picLocks noChangeAspect="1"/>
+          </p:cNvPicPr>
+          <p:nvPr/>
+        </p:nvPicPr>
+        <p:blipFill>
+          <a:blip r:embed="rId7" cstate="print">
+            <a:extLst>
+              <a:ext uri="{28A0092B-C50C-407E-A947-70E740481C1C}">
+                <a14:useLocalDpi xmlns:a14="http://schemas.microsoft.com/office/drawing/2010/main" val="0"/>
+              </a:ext>
+            </a:extLst>
+          </a:blip>
+          <a:stretch>
+            <a:fillRect/>
+          </a:stretch>
+        </p:blipFill>
+        <p:spPr>
+          <a:xfrm>
+            <a:off x="8372905" y="2207716"/>
+            <a:ext cx="1297029" cy="1046436"/>
+          </a:xfrm>
+          <a:prstGeom prst="rect">
+            <a:avLst/>
+          </a:prstGeom>
+        </p:spPr>
+      </p:pic>
+      <p:sp>
+        <p:nvSpPr>
+          <p:cNvPr id="45" name="Rectangle 44">
+            <a:extLst>
+              <a:ext uri="{FF2B5EF4-FFF2-40B4-BE49-F238E27FC236}">
+                <a16:creationId xmlns:a16="http://schemas.microsoft.com/office/drawing/2014/main" id="{3A8C4B2C-3D07-5445-AA43-6112EBCE9DC9}"/>
+              </a:ext>
+            </a:extLst>
+          </p:cNvPr>
+          <p:cNvSpPr/>
+          <p:nvPr/>
+        </p:nvSpPr>
+        <p:spPr>
+          <a:xfrm>
+            <a:off x="8666193" y="3283893"/>
+            <a:ext cx="769763" cy="400110"/>
+          </a:xfrm>
+          <a:prstGeom prst="rect">
+            <a:avLst/>
+          </a:prstGeom>
+        </p:spPr>
+        <p:txBody>
+          <a:bodyPr wrap="none">
+            <a:spAutoFit/>
+          </a:bodyPr>
+          <a:lstStyle/>
+          <a:p>
+            <a:r>
+              <a:rPr lang="en-US" sz="2000" dirty="0">
+                <a:latin typeface="Times New Roman" panose="02020603050405020304" pitchFamily="18" charset="0"/>
+                <a:cs typeface="Times New Roman" panose="02020603050405020304" pitchFamily="18" charset="0"/>
+              </a:rPr>
+              <a:t>Gợi ý</a:t>
+            </a:r>
+            <a:endParaRPr lang="en-US" sz="2000" dirty="0"/>
+          </a:p>
+        </p:txBody>
+      </p:sp>
+      <p:sp>
+        <p:nvSpPr>
+          <p:cNvPr id="46" name="Rectangle 45">
+            <a:extLst>
+              <a:ext uri="{FF2B5EF4-FFF2-40B4-BE49-F238E27FC236}">
+                <a16:creationId xmlns:a16="http://schemas.microsoft.com/office/drawing/2014/main" id="{E0128B3C-7DAA-6648-8A6B-1D62A0DAD6BD}"/>
+              </a:ext>
+            </a:extLst>
+          </p:cNvPr>
+          <p:cNvSpPr/>
+          <p:nvPr/>
+        </p:nvSpPr>
+        <p:spPr>
+          <a:xfrm>
+            <a:off x="8230241" y="2041535"/>
+            <a:ext cx="1549549" cy="1642468"/>
+          </a:xfrm>
+          <a:prstGeom prst="rect">
+            <a:avLst/>
+          </a:prstGeom>
+          <a:noFill/>
+        </p:spPr>
+        <p:style>
+          <a:lnRef idx="2">
+            <a:schemeClr val="accent1">
+              <a:shade val="50000"/>
+            </a:schemeClr>
+          </a:lnRef>
+          <a:fillRef idx="1">
+            <a:schemeClr val="accent1"/>
+          </a:fillRef>
+          <a:effectRef idx="0">
+            <a:schemeClr val="accent1"/>
+          </a:effectRef>
+          <a:fontRef idx="minor">
+            <a:schemeClr val="lt1"/>
+          </a:fontRef>
+        </p:style>
+        <p:txBody>
+          <a:bodyPr rtlCol="0" anchor="ctr"/>
+          <a:lstStyle/>
+          <a:p>
+            <a:pPr algn="ctr"/>
+            <a:endParaRPr lang="en-US"/>
+          </a:p>
+        </p:txBody>
+      </p:sp>
+      <p:sp>
+        <p:nvSpPr>
+          <p:cNvPr id="47" name="TextBox 46">
+            <a:extLst>
+              <a:ext uri="{FF2B5EF4-FFF2-40B4-BE49-F238E27FC236}">
+                <a16:creationId xmlns:a16="http://schemas.microsoft.com/office/drawing/2014/main" id="{7CAF9EC1-627A-5144-A58B-2F915F85B2AC}"/>
+              </a:ext>
+            </a:extLst>
+          </p:cNvPr>
+          <p:cNvSpPr txBox="1"/>
+          <p:nvPr/>
+        </p:nvSpPr>
+        <p:spPr>
+          <a:xfrm>
+            <a:off x="10584873" y="5846618"/>
+            <a:ext cx="300082" cy="369332"/>
+          </a:xfrm>
+          <a:prstGeom prst="rect">
+            <a:avLst/>
+          </a:prstGeom>
+          <a:noFill/>
+        </p:spPr>
+        <p:txBody>
+          <a:bodyPr wrap="none" rtlCol="0">
+            <a:spAutoFit/>
+          </a:bodyPr>
+          <a:lstStyle/>
+          <a:p>
+            <a:r>
+              <a:rPr lang="en-US" dirty="0"/>
+              <a:t>5</a:t>
+            </a:r>
+          </a:p>
+        </p:txBody>
+      </p:sp>
     </p:spTree>
     <p:extLst>
       <p:ext uri="{BB962C8B-B14F-4D97-AF65-F5344CB8AC3E}">
-        <p14:creationId xmlns:p14="http://schemas.microsoft.com/office/powerpoint/2010/main" val="2501662589"/>
+        <p14:creationId xmlns:p14="http://schemas.microsoft.com/office/powerpoint/2010/main" val="3609920144"/>
       </p:ext>
     </p:extLst>
   </p:cSld>
   <p:clrMapOvr>
     <a:masterClrMapping/>
   </p:clrMapOvr>
+  <p:timing>
+    <p:tnLst>
+      <p:par>
+        <p:cTn id="1" dur="indefinite" restart="never" nodeType="tmRoot">
+          <p:childTnLst>
+            <p:seq concurrent="1" nextAc="seek">
+              <p:cTn id="2" dur="indefinite" nodeType="mainSeq">
+                <p:childTnLst>
+                  <p:par>
+                    <p:cTn id="3" fill="hold">
+                      <p:stCondLst>
+                        <p:cond delay="indefinite"/>
+                      </p:stCondLst>
+                      <p:childTnLst>
+                        <p:par>
+                          <p:cTn id="4" fill="hold">
+                            <p:stCondLst>
+                              <p:cond delay="0"/>
+                            </p:stCondLst>
+                            <p:childTnLst>
+                              <p:par>
+                                <p:cTn id="5" presetID="16" presetClass="entr" presetSubtype="21" fill="hold" nodeType="clickEffect">
+                                  <p:stCondLst>
+                                    <p:cond delay="0"/>
+                                  </p:stCondLst>
+                                  <p:childTnLst>
+                                    <p:set>
+                                      <p:cBhvr>
+                                        <p:cTn id="6" dur="1" fill="hold">
+                                          <p:stCondLst>
+                                            <p:cond delay="0"/>
+                                          </p:stCondLst>
+                                        </p:cTn>
+                                        <p:tgtEl>
+                                          <p:spTgt spid="30"/>
+                                        </p:tgtEl>
+                                        <p:attrNameLst>
+                                          <p:attrName>style.visibility</p:attrName>
+                                        </p:attrNameLst>
+                                      </p:cBhvr>
+                                      <p:to>
+                                        <p:strVal val="visible"/>
+                                      </p:to>
+                                    </p:set>
+                                    <p:animEffect transition="in" filter="barn(inVertical)">
+                                      <p:cBhvr>
+                                        <p:cTn id="7" dur="500"/>
+                                        <p:tgtEl>
+                                          <p:spTgt spid="30"/>
+                                        </p:tgtEl>
+                                      </p:cBhvr>
+                                    </p:animEffect>
+                                  </p:childTnLst>
+                                </p:cTn>
+                              </p:par>
+                              <p:par>
+                                <p:cTn id="8" presetID="16" presetClass="entr" presetSubtype="21" fill="hold" nodeType="withEffect">
+                                  <p:stCondLst>
+                                    <p:cond delay="0"/>
+                                  </p:stCondLst>
+                                  <p:childTnLst>
+                                    <p:set>
+                                      <p:cBhvr>
+                                        <p:cTn id="9" dur="1" fill="hold">
+                                          <p:stCondLst>
+                                            <p:cond delay="0"/>
+                                          </p:stCondLst>
+                                        </p:cTn>
+                                        <p:tgtEl>
+                                          <p:spTgt spid="35"/>
+                                        </p:tgtEl>
+                                        <p:attrNameLst>
+                                          <p:attrName>style.visibility</p:attrName>
+                                        </p:attrNameLst>
+                                      </p:cBhvr>
+                                      <p:to>
+                                        <p:strVal val="visible"/>
+                                      </p:to>
+                                    </p:set>
+                                    <p:animEffect transition="in" filter="barn(inVertical)">
+                                      <p:cBhvr>
+                                        <p:cTn id="10" dur="500"/>
+                                        <p:tgtEl>
+                                          <p:spTgt spid="35"/>
+                                        </p:tgtEl>
+                                      </p:cBhvr>
+                                    </p:animEffect>
+                                  </p:childTnLst>
+                                </p:cTn>
+                              </p:par>
+                              <p:par>
+                                <p:cTn id="11" presetID="16" presetClass="entr" presetSubtype="21" fill="hold" grpId="0" nodeType="withEffect">
+                                  <p:stCondLst>
+                                    <p:cond delay="0"/>
+                                  </p:stCondLst>
+                                  <p:childTnLst>
+                                    <p:set>
+                                      <p:cBhvr>
+                                        <p:cTn id="12" dur="1" fill="hold">
+                                          <p:stCondLst>
+                                            <p:cond delay="0"/>
+                                          </p:stCondLst>
+                                        </p:cTn>
+                                        <p:tgtEl>
+                                          <p:spTgt spid="36"/>
+                                        </p:tgtEl>
+                                        <p:attrNameLst>
+                                          <p:attrName>style.visibility</p:attrName>
+                                        </p:attrNameLst>
+                                      </p:cBhvr>
+                                      <p:to>
+                                        <p:strVal val="visible"/>
+                                      </p:to>
+                                    </p:set>
+                                    <p:animEffect transition="in" filter="barn(inVertical)">
+                                      <p:cBhvr>
+                                        <p:cTn id="13" dur="500"/>
+                                        <p:tgtEl>
+                                          <p:spTgt spid="36"/>
+                                        </p:tgtEl>
+                                      </p:cBhvr>
+                                    </p:animEffect>
+                                  </p:childTnLst>
+                                </p:cTn>
+                              </p:par>
+                            </p:childTnLst>
+                          </p:cTn>
+                        </p:par>
+                      </p:childTnLst>
+                    </p:cTn>
+                  </p:par>
+                  <p:par>
+                    <p:cTn id="14" fill="hold">
+                      <p:stCondLst>
+                        <p:cond delay="indefinite"/>
+                      </p:stCondLst>
+                      <p:childTnLst>
+                        <p:par>
+                          <p:cTn id="15" fill="hold">
+                            <p:stCondLst>
+                              <p:cond delay="0"/>
+                            </p:stCondLst>
+                            <p:childTnLst>
+                              <p:par>
+                                <p:cTn id="16" presetID="16" presetClass="entr" presetSubtype="21" fill="hold" nodeType="clickEffect">
+                                  <p:stCondLst>
+                                    <p:cond delay="0"/>
+                                  </p:stCondLst>
+                                  <p:childTnLst>
+                                    <p:set>
+                                      <p:cBhvr>
+                                        <p:cTn id="17" dur="1" fill="hold">
+                                          <p:stCondLst>
+                                            <p:cond delay="0"/>
+                                          </p:stCondLst>
+                                        </p:cTn>
+                                        <p:tgtEl>
+                                          <p:spTgt spid="33"/>
+                                        </p:tgtEl>
+                                        <p:attrNameLst>
+                                          <p:attrName>style.visibility</p:attrName>
+                                        </p:attrNameLst>
+                                      </p:cBhvr>
+                                      <p:to>
+                                        <p:strVal val="visible"/>
+                                      </p:to>
+                                    </p:set>
+                                    <p:animEffect transition="in" filter="barn(inVertical)">
+                                      <p:cBhvr>
+                                        <p:cTn id="18" dur="500"/>
+                                        <p:tgtEl>
+                                          <p:spTgt spid="33"/>
+                                        </p:tgtEl>
+                                      </p:cBhvr>
+                                    </p:animEffect>
+                                  </p:childTnLst>
+                                </p:cTn>
+                              </p:par>
+                              <p:par>
+                                <p:cTn id="19" presetID="16" presetClass="entr" presetSubtype="21" fill="hold" nodeType="withEffect">
+                                  <p:stCondLst>
+                                    <p:cond delay="0"/>
+                                  </p:stCondLst>
+                                  <p:childTnLst>
+                                    <p:set>
+                                      <p:cBhvr>
+                                        <p:cTn id="20" dur="1" fill="hold">
+                                          <p:stCondLst>
+                                            <p:cond delay="0"/>
+                                          </p:stCondLst>
+                                        </p:cTn>
+                                        <p:tgtEl>
+                                          <p:spTgt spid="37"/>
+                                        </p:tgtEl>
+                                        <p:attrNameLst>
+                                          <p:attrName>style.visibility</p:attrName>
+                                        </p:attrNameLst>
+                                      </p:cBhvr>
+                                      <p:to>
+                                        <p:strVal val="visible"/>
+                                      </p:to>
+                                    </p:set>
+                                    <p:animEffect transition="in" filter="barn(inVertical)">
+                                      <p:cBhvr>
+                                        <p:cTn id="21" dur="500"/>
+                                        <p:tgtEl>
+                                          <p:spTgt spid="37"/>
+                                        </p:tgtEl>
+                                      </p:cBhvr>
+                                    </p:animEffect>
+                                  </p:childTnLst>
+                                </p:cTn>
+                              </p:par>
+                              <p:par>
+                                <p:cTn id="22" presetID="16" presetClass="entr" presetSubtype="21" fill="hold" grpId="0" nodeType="withEffect">
+                                  <p:stCondLst>
+                                    <p:cond delay="0"/>
+                                  </p:stCondLst>
+                                  <p:childTnLst>
+                                    <p:set>
+                                      <p:cBhvr>
+                                        <p:cTn id="23" dur="1" fill="hold">
+                                          <p:stCondLst>
+                                            <p:cond delay="0"/>
+                                          </p:stCondLst>
+                                        </p:cTn>
+                                        <p:tgtEl>
+                                          <p:spTgt spid="38"/>
+                                        </p:tgtEl>
+                                        <p:attrNameLst>
+                                          <p:attrName>style.visibility</p:attrName>
+                                        </p:attrNameLst>
+                                      </p:cBhvr>
+                                      <p:to>
+                                        <p:strVal val="visible"/>
+                                      </p:to>
+                                    </p:set>
+                                    <p:animEffect transition="in" filter="barn(inVertical)">
+                                      <p:cBhvr>
+                                        <p:cTn id="24" dur="500"/>
+                                        <p:tgtEl>
+                                          <p:spTgt spid="38"/>
+                                        </p:tgtEl>
+                                      </p:cBhvr>
+                                    </p:animEffect>
+                                  </p:childTnLst>
+                                </p:cTn>
+                              </p:par>
+                              <p:par>
+                                <p:cTn id="25" presetID="16" presetClass="entr" presetSubtype="21" fill="hold" nodeType="withEffect">
+                                  <p:stCondLst>
+                                    <p:cond delay="0"/>
+                                  </p:stCondLst>
+                                  <p:childTnLst>
+                                    <p:set>
+                                      <p:cBhvr>
+                                        <p:cTn id="26" dur="1" fill="hold">
+                                          <p:stCondLst>
+                                            <p:cond delay="0"/>
+                                          </p:stCondLst>
+                                        </p:cTn>
+                                        <p:tgtEl>
+                                          <p:spTgt spid="32"/>
+                                        </p:tgtEl>
+                                        <p:attrNameLst>
+                                          <p:attrName>style.visibility</p:attrName>
+                                        </p:attrNameLst>
+                                      </p:cBhvr>
+                                      <p:to>
+                                        <p:strVal val="visible"/>
+                                      </p:to>
+                                    </p:set>
+                                    <p:animEffect transition="in" filter="barn(inVertical)">
+                                      <p:cBhvr>
+                                        <p:cTn id="27" dur="500"/>
+                                        <p:tgtEl>
+                                          <p:spTgt spid="32"/>
+                                        </p:tgtEl>
+                                      </p:cBhvr>
+                                    </p:animEffect>
+                                  </p:childTnLst>
+                                </p:cTn>
+                              </p:par>
+                              <p:par>
+                                <p:cTn id="28" presetID="16" presetClass="entr" presetSubtype="21" fill="hold" nodeType="withEffect">
+                                  <p:stCondLst>
+                                    <p:cond delay="0"/>
+                                  </p:stCondLst>
+                                  <p:childTnLst>
+                                    <p:set>
+                                      <p:cBhvr>
+                                        <p:cTn id="29" dur="1" fill="hold">
+                                          <p:stCondLst>
+                                            <p:cond delay="0"/>
+                                          </p:stCondLst>
+                                        </p:cTn>
+                                        <p:tgtEl>
+                                          <p:spTgt spid="39"/>
+                                        </p:tgtEl>
+                                        <p:attrNameLst>
+                                          <p:attrName>style.visibility</p:attrName>
+                                        </p:attrNameLst>
+                                      </p:cBhvr>
+                                      <p:to>
+                                        <p:strVal val="visible"/>
+                                      </p:to>
+                                    </p:set>
+                                    <p:animEffect transition="in" filter="barn(inVertical)">
+                                      <p:cBhvr>
+                                        <p:cTn id="30" dur="500"/>
+                                        <p:tgtEl>
+                                          <p:spTgt spid="39"/>
+                                        </p:tgtEl>
+                                      </p:cBhvr>
+                                    </p:animEffect>
+                                  </p:childTnLst>
+                                </p:cTn>
+                              </p:par>
+                              <p:par>
+                                <p:cTn id="31" presetID="16" presetClass="entr" presetSubtype="21" fill="hold" grpId="0" nodeType="withEffect">
+                                  <p:stCondLst>
+                                    <p:cond delay="0"/>
+                                  </p:stCondLst>
+                                  <p:childTnLst>
+                                    <p:set>
+                                      <p:cBhvr>
+                                        <p:cTn id="32" dur="1" fill="hold">
+                                          <p:stCondLst>
+                                            <p:cond delay="0"/>
+                                          </p:stCondLst>
+                                        </p:cTn>
+                                        <p:tgtEl>
+                                          <p:spTgt spid="40"/>
+                                        </p:tgtEl>
+                                        <p:attrNameLst>
+                                          <p:attrName>style.visibility</p:attrName>
+                                        </p:attrNameLst>
+                                      </p:cBhvr>
+                                      <p:to>
+                                        <p:strVal val="visible"/>
+                                      </p:to>
+                                    </p:set>
+                                    <p:animEffect transition="in" filter="barn(inVertical)">
+                                      <p:cBhvr>
+                                        <p:cTn id="33" dur="500"/>
+                                        <p:tgtEl>
+                                          <p:spTgt spid="40"/>
+                                        </p:tgtEl>
+                                      </p:cBhvr>
+                                    </p:animEffect>
+                                  </p:childTnLst>
+                                </p:cTn>
+                              </p:par>
+                            </p:childTnLst>
+                          </p:cTn>
+                        </p:par>
+                      </p:childTnLst>
+                    </p:cTn>
+                  </p:par>
+                  <p:par>
+                    <p:cTn id="34" fill="hold">
+                      <p:stCondLst>
+                        <p:cond delay="indefinite"/>
+                      </p:stCondLst>
+                      <p:childTnLst>
+                        <p:par>
+                          <p:cTn id="35" fill="hold">
+                            <p:stCondLst>
+                              <p:cond delay="0"/>
+                            </p:stCondLst>
+                            <p:childTnLst>
+                              <p:par>
+                                <p:cTn id="36" presetID="16" presetClass="entr" presetSubtype="21" fill="hold" nodeType="clickEffect">
+                                  <p:stCondLst>
+                                    <p:cond delay="0"/>
+                                  </p:stCondLst>
+                                  <p:childTnLst>
+                                    <p:set>
+                                      <p:cBhvr>
+                                        <p:cTn id="37" dur="1" fill="hold">
+                                          <p:stCondLst>
+                                            <p:cond delay="0"/>
+                                          </p:stCondLst>
+                                        </p:cTn>
+                                        <p:tgtEl>
+                                          <p:spTgt spid="31"/>
+                                        </p:tgtEl>
+                                        <p:attrNameLst>
+                                          <p:attrName>style.visibility</p:attrName>
+                                        </p:attrNameLst>
+                                      </p:cBhvr>
+                                      <p:to>
+                                        <p:strVal val="visible"/>
+                                      </p:to>
+                                    </p:set>
+                                    <p:animEffect transition="in" filter="barn(inVertical)">
+                                      <p:cBhvr>
+                                        <p:cTn id="38" dur="500"/>
+                                        <p:tgtEl>
+                                          <p:spTgt spid="31"/>
+                                        </p:tgtEl>
+                                      </p:cBhvr>
+                                    </p:animEffect>
+                                  </p:childTnLst>
+                                </p:cTn>
+                              </p:par>
+                              <p:par>
+                                <p:cTn id="39" presetID="16" presetClass="entr" presetSubtype="21" fill="hold" nodeType="withEffect">
+                                  <p:stCondLst>
+                                    <p:cond delay="0"/>
+                                  </p:stCondLst>
+                                  <p:childTnLst>
+                                    <p:set>
+                                      <p:cBhvr>
+                                        <p:cTn id="40" dur="1" fill="hold">
+                                          <p:stCondLst>
+                                            <p:cond delay="0"/>
+                                          </p:stCondLst>
+                                        </p:cTn>
+                                        <p:tgtEl>
+                                          <p:spTgt spid="41"/>
+                                        </p:tgtEl>
+                                        <p:attrNameLst>
+                                          <p:attrName>style.visibility</p:attrName>
+                                        </p:attrNameLst>
+                                      </p:cBhvr>
+                                      <p:to>
+                                        <p:strVal val="visible"/>
+                                      </p:to>
+                                    </p:set>
+                                    <p:animEffect transition="in" filter="barn(inVertical)">
+                                      <p:cBhvr>
+                                        <p:cTn id="41" dur="500"/>
+                                        <p:tgtEl>
+                                          <p:spTgt spid="41"/>
+                                        </p:tgtEl>
+                                      </p:cBhvr>
+                                    </p:animEffect>
+                                  </p:childTnLst>
+                                </p:cTn>
+                              </p:par>
+                              <p:par>
+                                <p:cTn id="42" presetID="16" presetClass="entr" presetSubtype="21" fill="hold" grpId="0" nodeType="withEffect">
+                                  <p:stCondLst>
+                                    <p:cond delay="0"/>
+                                  </p:stCondLst>
+                                  <p:childTnLst>
+                                    <p:set>
+                                      <p:cBhvr>
+                                        <p:cTn id="43" dur="1" fill="hold">
+                                          <p:stCondLst>
+                                            <p:cond delay="0"/>
+                                          </p:stCondLst>
+                                        </p:cTn>
+                                        <p:tgtEl>
+                                          <p:spTgt spid="42"/>
+                                        </p:tgtEl>
+                                        <p:attrNameLst>
+                                          <p:attrName>style.visibility</p:attrName>
+                                        </p:attrNameLst>
+                                      </p:cBhvr>
+                                      <p:to>
+                                        <p:strVal val="visible"/>
+                                      </p:to>
+                                    </p:set>
+                                    <p:animEffect transition="in" filter="barn(inVertical)">
+                                      <p:cBhvr>
+                                        <p:cTn id="44" dur="500"/>
+                                        <p:tgtEl>
+                                          <p:spTgt spid="42"/>
+                                        </p:tgtEl>
+                                      </p:cBhvr>
+                                    </p:animEffect>
+                                  </p:childTnLst>
+                                </p:cTn>
+                              </p:par>
+                              <p:par>
+                                <p:cTn id="45" presetID="16" presetClass="entr" presetSubtype="21" fill="hold" nodeType="withEffect">
+                                  <p:stCondLst>
+                                    <p:cond delay="0"/>
+                                  </p:stCondLst>
+                                  <p:childTnLst>
+                                    <p:set>
+                                      <p:cBhvr>
+                                        <p:cTn id="46" dur="1" fill="hold">
+                                          <p:stCondLst>
+                                            <p:cond delay="0"/>
+                                          </p:stCondLst>
+                                        </p:cTn>
+                                        <p:tgtEl>
+                                          <p:spTgt spid="44"/>
+                                        </p:tgtEl>
+                                        <p:attrNameLst>
+                                          <p:attrName>style.visibility</p:attrName>
+                                        </p:attrNameLst>
+                                      </p:cBhvr>
+                                      <p:to>
+                                        <p:strVal val="visible"/>
+                                      </p:to>
+                                    </p:set>
+                                    <p:animEffect transition="in" filter="barn(inVertical)">
+                                      <p:cBhvr>
+                                        <p:cTn id="47" dur="500"/>
+                                        <p:tgtEl>
+                                          <p:spTgt spid="44"/>
+                                        </p:tgtEl>
+                                      </p:cBhvr>
+                                    </p:animEffect>
+                                  </p:childTnLst>
+                                </p:cTn>
+                              </p:par>
+                            </p:childTnLst>
+                          </p:cTn>
+                        </p:par>
+                      </p:childTnLst>
+                    </p:cTn>
+                  </p:par>
+                  <p:par>
+                    <p:cTn id="48" fill="hold">
+                      <p:stCondLst>
+                        <p:cond delay="indefinite"/>
+                      </p:stCondLst>
+                      <p:childTnLst>
+                        <p:par>
+                          <p:cTn id="49" fill="hold">
+                            <p:stCondLst>
+                              <p:cond delay="0"/>
+                            </p:stCondLst>
+                            <p:childTnLst>
+                              <p:par>
+                                <p:cTn id="50" presetID="6" presetClass="entr" presetSubtype="16" fill="hold" grpId="0" nodeType="clickEffect">
+                                  <p:stCondLst>
+                                    <p:cond delay="0"/>
+                                  </p:stCondLst>
+                                  <p:childTnLst>
+                                    <p:set>
+                                      <p:cBhvr>
+                                        <p:cTn id="51" dur="1" fill="hold">
+                                          <p:stCondLst>
+                                            <p:cond delay="0"/>
+                                          </p:stCondLst>
+                                        </p:cTn>
+                                        <p:tgtEl>
+                                          <p:spTgt spid="46"/>
+                                        </p:tgtEl>
+                                        <p:attrNameLst>
+                                          <p:attrName>style.visibility</p:attrName>
+                                        </p:attrNameLst>
+                                      </p:cBhvr>
+                                      <p:to>
+                                        <p:strVal val="visible"/>
+                                      </p:to>
+                                    </p:set>
+                                    <p:animEffect transition="in" filter="circle(in)">
+                                      <p:cBhvr>
+                                        <p:cTn id="52" dur="2000"/>
+                                        <p:tgtEl>
+                                          <p:spTgt spid="46"/>
+                                        </p:tgtEl>
+                                      </p:cBhvr>
+                                    </p:animEffect>
+                                  </p:childTnLst>
+                                </p:cTn>
+                              </p:par>
+                              <p:par>
+                                <p:cTn id="53" presetID="16" presetClass="entr" presetSubtype="21" fill="hold" grpId="0" nodeType="withEffect">
+                                  <p:stCondLst>
+                                    <p:cond delay="0"/>
+                                  </p:stCondLst>
+                                  <p:childTnLst>
+                                    <p:set>
+                                      <p:cBhvr>
+                                        <p:cTn id="54" dur="1" fill="hold">
+                                          <p:stCondLst>
+                                            <p:cond delay="0"/>
+                                          </p:stCondLst>
+                                        </p:cTn>
+                                        <p:tgtEl>
+                                          <p:spTgt spid="45"/>
+                                        </p:tgtEl>
+                                        <p:attrNameLst>
+                                          <p:attrName>style.visibility</p:attrName>
+                                        </p:attrNameLst>
+                                      </p:cBhvr>
+                                      <p:to>
+                                        <p:strVal val="visible"/>
+                                      </p:to>
+                                    </p:set>
+                                    <p:animEffect transition="in" filter="barn(inVertical)">
+                                      <p:cBhvr>
+                                        <p:cTn id="55" dur="500"/>
+                                        <p:tgtEl>
+                                          <p:spTgt spid="45"/>
+                                        </p:tgtEl>
+                                      </p:cBhvr>
+                                    </p:animEffect>
+                                  </p:childTnLst>
+                                </p:cTn>
+                              </p:par>
+                              <p:par>
+                                <p:cTn id="56" presetID="16" presetClass="entr" presetSubtype="21" fill="hold" nodeType="withEffect">
+                                  <p:stCondLst>
+                                    <p:cond delay="0"/>
+                                  </p:stCondLst>
+                                  <p:childTnLst>
+                                    <p:set>
+                                      <p:cBhvr>
+                                        <p:cTn id="57" dur="1" fill="hold">
+                                          <p:stCondLst>
+                                            <p:cond delay="0"/>
+                                          </p:stCondLst>
+                                        </p:cTn>
+                                        <p:tgtEl>
+                                          <p:spTgt spid="43"/>
+                                        </p:tgtEl>
+                                        <p:attrNameLst>
+                                          <p:attrName>style.visibility</p:attrName>
+                                        </p:attrNameLst>
+                                      </p:cBhvr>
+                                      <p:to>
+                                        <p:strVal val="visible"/>
+                                      </p:to>
+                                    </p:set>
+                                    <p:animEffect transition="in" filter="barn(inVertical)">
+                                      <p:cBhvr>
+                                        <p:cTn id="58" dur="500"/>
+                                        <p:tgtEl>
+                                          <p:spTgt spid="43"/>
+                                        </p:tgtEl>
+                                      </p:cBhvr>
+                                    </p:animEffect>
+                                  </p:childTnLst>
+                                </p:cTn>
+                              </p:par>
+                            </p:childTnLst>
+                          </p:cTn>
+                        </p:par>
+                      </p:childTnLst>
+                    </p:cTn>
+                  </p:par>
+                </p:childTnLst>
+              </p:cTn>
+              <p:prevCondLst>
+                <p:cond evt="onPrev" delay="0">
+                  <p:tgtEl>
+                    <p:sldTgt/>
+                  </p:tgtEl>
+                </p:cond>
+              </p:prevCondLst>
+              <p:nextCondLst>
+                <p:cond evt="onNext" delay="0">
+                  <p:tgtEl>
+                    <p:sldTgt/>
+                  </p:tgtEl>
+                </p:cond>
+              </p:nextCondLst>
+            </p:seq>
+          </p:childTnLst>
+        </p:cTn>
+      </p:par>
+    </p:tnLst>
+    <p:bldLst>
+      <p:bldP spid="36" grpId="0"/>
+      <p:bldP spid="38" grpId="0"/>
+      <p:bldP spid="40" grpId="0"/>
+      <p:bldP spid="42" grpId="0"/>
+      <p:bldP spid="45" grpId="0"/>
+      <p:bldP spid="46" grpId="0" animBg="1"/>
+    </p:bldLst>
+  </p:timing>
 </p:sld>
 </file>
 
@@ -6997,7 +8635,7 @@
           <p:cNvPr id="2" name="Title 1">
             <a:extLst>
               <a:ext uri="{FF2B5EF4-FFF2-40B4-BE49-F238E27FC236}">
-                <a16:creationId xmlns:a16="http://schemas.microsoft.com/office/drawing/2014/main" id="{4004F5B8-4280-C740-8B53-089D13988CC1}"/>
+                <a16:creationId xmlns:a16="http://schemas.microsoft.com/office/drawing/2014/main" id="{9EC844D0-8121-F94A-8A8E-4D5E4D87C0E1}"/>
               </a:ext>
             </a:extLst>
           </p:cNvPr>
@@ -7026,10 +8664,10 @@
       </p:sp>
       <p:sp>
         <p:nvSpPr>
-          <p:cNvPr id="6" name="TextBox 5">
+          <p:cNvPr id="4" name="TextBox 3">
             <a:extLst>
               <a:ext uri="{FF2B5EF4-FFF2-40B4-BE49-F238E27FC236}">
-                <a16:creationId xmlns:a16="http://schemas.microsoft.com/office/drawing/2014/main" id="{27F84563-3F7C-6544-AEC1-5E08B22AE059}"/>
+                <a16:creationId xmlns:a16="http://schemas.microsoft.com/office/drawing/2014/main" id="{A354E9E2-D89C-CB44-8E44-19FEB2AD3AAA}"/>
               </a:ext>
             </a:extLst>
           </p:cNvPr>
@@ -7038,8 +8676,8 @@
         </p:nvSpPr>
         <p:spPr>
           <a:xfrm>
-            <a:off x="1451578" y="2213385"/>
-            <a:ext cx="3685197" cy="461665"/>
+            <a:off x="1451579" y="2366683"/>
+            <a:ext cx="3692421" cy="492443"/>
           </a:xfrm>
           <a:prstGeom prst="rect">
             <a:avLst/>
@@ -7047,30 +8685,30 @@
           <a:noFill/>
         </p:spPr>
         <p:txBody>
-          <a:bodyPr wrap="square" rtlCol="0">
+          <a:bodyPr wrap="none" rtlCol="0">
             <a:spAutoFit/>
           </a:bodyPr>
           <a:lstStyle/>
           <a:p>
             <a:r>
-              <a:rPr lang="en-US" sz="2400" b="1" dirty="0">
+              <a:rPr lang="en-US" sz="2600" b="1" dirty="0">
                 <a:solidFill>
                   <a:srgbClr val="FF0000"/>
                 </a:solidFill>
                 <a:latin typeface="Times New Roman" panose="02020603050405020304" pitchFamily="18" charset="0"/>
                 <a:cs typeface="Times New Roman" panose="02020603050405020304" pitchFamily="18" charset="0"/>
               </a:rPr>
-              <a:t>BẢNG DỮ LIỆU</a:t>
+              <a:t>USE CASE HỆ THỐNG</a:t>
             </a:r>
           </a:p>
         </p:txBody>
       </p:sp>
       <p:pic>
         <p:nvPicPr>
-          <p:cNvPr id="7" name="Picture 6">
+          <p:cNvPr id="5" name="Picture 4">
             <a:extLst>
               <a:ext uri="{FF2B5EF4-FFF2-40B4-BE49-F238E27FC236}">
-                <a16:creationId xmlns:a16="http://schemas.microsoft.com/office/drawing/2014/main" id="{8224BE92-8AE2-4747-9870-D58C97B63575}"/>
+                <a16:creationId xmlns:a16="http://schemas.microsoft.com/office/drawing/2014/main" id="{4C097E0B-60C4-C54B-AE83-4FA3A4666FD1}"/>
               </a:ext>
             </a:extLst>
           </p:cNvPr>
@@ -7091,18 +8729,53 @@
         </p:blipFill>
         <p:spPr>
           <a:xfrm>
-            <a:off x="5114430" y="2213385"/>
-            <a:ext cx="5525862" cy="3383851"/>
+            <a:off x="5144000" y="2366683"/>
+            <a:ext cx="5690255" cy="3284855"/>
           </a:xfrm>
           <a:prstGeom prst="rect">
             <a:avLst/>
           </a:prstGeom>
         </p:spPr>
       </p:pic>
+      <p:sp>
+        <p:nvSpPr>
+          <p:cNvPr id="3" name="TextBox 2">
+            <a:extLst>
+              <a:ext uri="{FF2B5EF4-FFF2-40B4-BE49-F238E27FC236}">
+                <a16:creationId xmlns:a16="http://schemas.microsoft.com/office/drawing/2014/main" id="{9E1986E0-5016-224E-AD48-A98C6DFA8F0E}"/>
+              </a:ext>
+            </a:extLst>
+          </p:cNvPr>
+          <p:cNvSpPr txBox="1"/>
+          <p:nvPr/>
+        </p:nvSpPr>
+        <p:spPr>
+          <a:xfrm>
+            <a:off x="10684214" y="5795135"/>
+            <a:ext cx="300082" cy="369332"/>
+          </a:xfrm>
+          <a:prstGeom prst="rect">
+            <a:avLst/>
+          </a:prstGeom>
+          <a:noFill/>
+        </p:spPr>
+        <p:txBody>
+          <a:bodyPr wrap="none" rtlCol="0">
+            <a:spAutoFit/>
+          </a:bodyPr>
+          <a:lstStyle/>
+          <a:p>
+            <a:r>
+              <a:rPr lang="en-US" dirty="0"/>
+              <a:t>6</a:t>
+            </a:r>
+          </a:p>
+        </p:txBody>
+      </p:sp>
     </p:spTree>
     <p:extLst>
       <p:ext uri="{BB962C8B-B14F-4D97-AF65-F5344CB8AC3E}">
-        <p14:creationId xmlns:p14="http://schemas.microsoft.com/office/powerpoint/2010/main" val="1190551762"/>
+        <p14:creationId xmlns:p14="http://schemas.microsoft.com/office/powerpoint/2010/main" val="2501662589"/>
       </p:ext>
     </p:extLst>
   </p:cSld>
@@ -7134,7 +8807,7 @@
           <p:cNvPr id="2" name="Title 1">
             <a:extLst>
               <a:ext uri="{FF2B5EF4-FFF2-40B4-BE49-F238E27FC236}">
-                <a16:creationId xmlns:a16="http://schemas.microsoft.com/office/drawing/2014/main" id="{BFBF0782-0FDA-FE4C-BD21-8DB96A10C70F}"/>
+                <a16:creationId xmlns:a16="http://schemas.microsoft.com/office/drawing/2014/main" id="{4004F5B8-4280-C740-8B53-089D13988CC1}"/>
               </a:ext>
             </a:extLst>
           </p:cNvPr>
@@ -7156,179 +8829,125 @@
                 <a:latin typeface="Times New Roman" panose="02020603050405020304" pitchFamily="18" charset="0"/>
                 <a:cs typeface="Times New Roman" panose="02020603050405020304" pitchFamily="18" charset="0"/>
               </a:rPr>
-              <a:t>CÀI ĐẶT</a:t>
-            </a:r>
-          </a:p>
-        </p:txBody>
-      </p:sp>
-      <p:sp>
-        <p:nvSpPr>
-          <p:cNvPr id="4" name="Rectangle 3">
+              <a:t>GIỚI THIỆU PHẦN MỀM</a:t>
+            </a:r>
+          </a:p>
+        </p:txBody>
+      </p:sp>
+      <p:sp>
+        <p:nvSpPr>
+          <p:cNvPr id="6" name="TextBox 5">
             <a:extLst>
               <a:ext uri="{FF2B5EF4-FFF2-40B4-BE49-F238E27FC236}">
-                <a16:creationId xmlns:a16="http://schemas.microsoft.com/office/drawing/2014/main" id="{F97EDF4B-198D-024A-A20A-B68B60629CF7}"/>
+                <a16:creationId xmlns:a16="http://schemas.microsoft.com/office/drawing/2014/main" id="{27F84563-3F7C-6544-AEC1-5E08B22AE059}"/>
               </a:ext>
             </a:extLst>
           </p:cNvPr>
-          <p:cNvSpPr/>
+          <p:cNvSpPr txBox="1"/>
           <p:nvPr/>
         </p:nvSpPr>
         <p:spPr>
           <a:xfrm>
-            <a:off x="3048000" y="2482587"/>
-            <a:ext cx="6096000" cy="2015936"/>
+            <a:off x="1451578" y="2213385"/>
+            <a:ext cx="3685197" cy="461665"/>
           </a:xfrm>
           <a:prstGeom prst="rect">
             <a:avLst/>
           </a:prstGeom>
-        </p:spPr>
-        <p:txBody>
-          <a:bodyPr>
+          <a:noFill/>
+        </p:spPr>
+        <p:txBody>
+          <a:bodyPr wrap="square" rtlCol="0">
             <a:spAutoFit/>
           </a:bodyPr>
           <a:lstStyle/>
           <a:p>
-            <a:pPr marL="701040">
-              <a:spcBef>
-                <a:spcPts val="1800"/>
-              </a:spcBef>
-              <a:spcAft>
-                <a:spcPts val="0"/>
-              </a:spcAft>
-            </a:pPr>
-            <a:r>
-              <a:rPr lang="vi-VN" sz="2000" dirty="0">
+            <a:r>
+              <a:rPr lang="en-US" sz="2400" b="1" dirty="0">
                 <a:solidFill>
-                  <a:srgbClr val="000000"/>
+                  <a:srgbClr val="FF0000"/>
                 </a:solidFill>
-                <a:effectLst>
-                  <a:outerShdw blurRad="38100" dist="19050" dir="2700000" algn="tl">
-                    <a:schemeClr val="dk1">
-                      <a:alpha val="40000"/>
-                    </a:schemeClr>
-                  </a:outerShdw>
-                </a:effectLst>
                 <a:latin typeface="Times New Roman" panose="02020603050405020304" pitchFamily="18" charset="0"/>
-                <a:ea typeface="Times New Roman" panose="02020603050405020304" pitchFamily="18" charset="0"/>
                 <a:cs typeface="Times New Roman" panose="02020603050405020304" pitchFamily="18" charset="0"/>
               </a:rPr>
-              <a:t>Xcode version 10.1 với ngôn ngữ Swift 3</a:t>
-            </a:r>
-            <a:endParaRPr lang="en-US" sz="2000" dirty="0">
-              <a:effectLst/>
-              <a:latin typeface="Times New Roman" panose="02020603050405020304" pitchFamily="18" charset="0"/>
-              <a:ea typeface="Times New Roman" panose="02020603050405020304" pitchFamily="18" charset="0"/>
-              <a:cs typeface="Times New Roman" panose="02020603050405020304" pitchFamily="18" charset="0"/>
-            </a:endParaRPr>
-          </a:p>
-          <a:p>
-            <a:pPr marL="701040">
-              <a:spcBef>
-                <a:spcPts val="1800"/>
-              </a:spcBef>
-              <a:spcAft>
-                <a:spcPts val="0"/>
-              </a:spcAft>
-            </a:pPr>
-            <a:r>
-              <a:rPr lang="vi-VN" sz="2000" dirty="0">
-                <a:solidFill>
-                  <a:srgbClr val="000000"/>
-                </a:solidFill>
-                <a:effectLst>
-                  <a:outerShdw blurRad="38100" dist="19050" dir="2700000" algn="tl">
-                    <a:schemeClr val="dk1">
-                      <a:alpha val="40000"/>
-                    </a:schemeClr>
-                  </a:outerShdw>
-                </a:effectLst>
-                <a:latin typeface="Times New Roman" panose="02020603050405020304" pitchFamily="18" charset="0"/>
-                <a:ea typeface="Times New Roman" panose="02020603050405020304" pitchFamily="18" charset="0"/>
-                <a:cs typeface="Times New Roman" panose="02020603050405020304" pitchFamily="18" charset="0"/>
-              </a:rPr>
-              <a:t>Mongodb version 4.0.4</a:t>
-            </a:r>
-            <a:endParaRPr lang="en-US" sz="2000" dirty="0">
-              <a:effectLst/>
-              <a:latin typeface="Times New Roman" panose="02020603050405020304" pitchFamily="18" charset="0"/>
-              <a:ea typeface="Times New Roman" panose="02020603050405020304" pitchFamily="18" charset="0"/>
-              <a:cs typeface="Times New Roman" panose="02020603050405020304" pitchFamily="18" charset="0"/>
-            </a:endParaRPr>
-          </a:p>
-          <a:p>
-            <a:pPr marL="701040">
-              <a:spcBef>
-                <a:spcPts val="1800"/>
-              </a:spcBef>
-              <a:spcAft>
-                <a:spcPts val="0"/>
-              </a:spcAft>
-            </a:pPr>
-            <a:r>
-              <a:rPr lang="vi-VN" sz="2000" dirty="0">
-                <a:solidFill>
-                  <a:srgbClr val="000000"/>
-                </a:solidFill>
-                <a:effectLst>
-                  <a:outerShdw blurRad="38100" dist="19050" dir="2700000" algn="tl">
-                    <a:schemeClr val="dk1">
-                      <a:alpha val="40000"/>
-                    </a:schemeClr>
-                  </a:outerShdw>
-                </a:effectLst>
-                <a:latin typeface="Times New Roman" panose="02020603050405020304" pitchFamily="18" charset="0"/>
-                <a:ea typeface="Times New Roman" panose="02020603050405020304" pitchFamily="18" charset="0"/>
-                <a:cs typeface="Times New Roman" panose="02020603050405020304" pitchFamily="18" charset="0"/>
-              </a:rPr>
-              <a:t>Firebase version 8.2</a:t>
-            </a:r>
-            <a:endParaRPr lang="en-US" sz="2000" dirty="0">
-              <a:effectLst/>
-              <a:latin typeface="Times New Roman" panose="02020603050405020304" pitchFamily="18" charset="0"/>
-              <a:ea typeface="Times New Roman" panose="02020603050405020304" pitchFamily="18" charset="0"/>
-              <a:cs typeface="Times New Roman" panose="02020603050405020304" pitchFamily="18" charset="0"/>
-            </a:endParaRPr>
-          </a:p>
-          <a:p>
-            <a:pPr marL="701040">
-              <a:spcBef>
-                <a:spcPts val="1800"/>
-              </a:spcBef>
-              <a:spcAft>
-                <a:spcPts val="0"/>
-              </a:spcAft>
-            </a:pPr>
-            <a:r>
-              <a:rPr lang="vi-VN" sz="2000" dirty="0">
-                <a:solidFill>
-                  <a:srgbClr val="000000"/>
-                </a:solidFill>
-                <a:effectLst>
-                  <a:outerShdw blurRad="38100" dist="19050" dir="2700000" algn="tl">
-                    <a:schemeClr val="dk1">
-                      <a:alpha val="40000"/>
-                    </a:schemeClr>
-                  </a:outerShdw>
-                </a:effectLst>
-                <a:latin typeface="Times New Roman" panose="02020603050405020304" pitchFamily="18" charset="0"/>
-                <a:ea typeface="Times New Roman" panose="02020603050405020304" pitchFamily="18" charset="0"/>
-                <a:cs typeface="Times New Roman" panose="02020603050405020304" pitchFamily="18" charset="0"/>
-              </a:rPr>
-              <a:t>Nodejs version 8.12.0</a:t>
-            </a:r>
-            <a:endParaRPr lang="en-US" sz="2000" dirty="0">
-              <a:effectLst/>
-              <a:latin typeface="Times New Roman" panose="02020603050405020304" pitchFamily="18" charset="0"/>
-              <a:ea typeface="Times New Roman" panose="02020603050405020304" pitchFamily="18" charset="0"/>
-              <a:cs typeface="Times New Roman" panose="02020603050405020304" pitchFamily="18" charset="0"/>
-            </a:endParaRPr>
+              <a:t>BẢNG DỮ LIỆU</a:t>
+            </a:r>
+          </a:p>
+        </p:txBody>
+      </p:sp>
+      <p:pic>
+        <p:nvPicPr>
+          <p:cNvPr id="7" name="Picture 6">
+            <a:extLst>
+              <a:ext uri="{FF2B5EF4-FFF2-40B4-BE49-F238E27FC236}">
+                <a16:creationId xmlns:a16="http://schemas.microsoft.com/office/drawing/2014/main" id="{8224BE92-8AE2-4747-9870-D58C97B63575}"/>
+              </a:ext>
+            </a:extLst>
+          </p:cNvPr>
+          <p:cNvPicPr/>
+          <p:nvPr/>
+        </p:nvPicPr>
+        <p:blipFill>
+          <a:blip r:embed="rId2">
+            <a:extLst>
+              <a:ext uri="{28A0092B-C50C-407E-A947-70E740481C1C}">
+                <a14:useLocalDpi xmlns:a14="http://schemas.microsoft.com/office/drawing/2010/main" val="0"/>
+              </a:ext>
+            </a:extLst>
+          </a:blip>
+          <a:stretch>
+            <a:fillRect/>
+          </a:stretch>
+        </p:blipFill>
+        <p:spPr>
+          <a:xfrm>
+            <a:off x="4255448" y="2213385"/>
+            <a:ext cx="5525862" cy="3383851"/>
+          </a:xfrm>
+          <a:prstGeom prst="rect">
+            <a:avLst/>
+          </a:prstGeom>
+        </p:spPr>
+      </p:pic>
+      <p:sp>
+        <p:nvSpPr>
+          <p:cNvPr id="3" name="TextBox 2">
+            <a:extLst>
+              <a:ext uri="{FF2B5EF4-FFF2-40B4-BE49-F238E27FC236}">
+                <a16:creationId xmlns:a16="http://schemas.microsoft.com/office/drawing/2014/main" id="{E9FA2DF0-992A-E344-AFA3-D763160B288E}"/>
+              </a:ext>
+            </a:extLst>
+          </p:cNvPr>
+          <p:cNvSpPr txBox="1"/>
+          <p:nvPr/>
+        </p:nvSpPr>
+        <p:spPr>
+          <a:xfrm>
+            <a:off x="10490251" y="5772201"/>
+            <a:ext cx="300082" cy="369332"/>
+          </a:xfrm>
+          <a:prstGeom prst="rect">
+            <a:avLst/>
+          </a:prstGeom>
+          <a:noFill/>
+        </p:spPr>
+        <p:txBody>
+          <a:bodyPr wrap="none" rtlCol="0">
+            <a:spAutoFit/>
+          </a:bodyPr>
+          <a:lstStyle/>
+          <a:p>
+            <a:r>
+              <a:rPr lang="en-US" dirty="0"/>
+              <a:t>7</a:t>
+            </a:r>
           </a:p>
         </p:txBody>
       </p:sp>
     </p:spTree>
     <p:extLst>
       <p:ext uri="{BB962C8B-B14F-4D97-AF65-F5344CB8AC3E}">
-        <p14:creationId xmlns:p14="http://schemas.microsoft.com/office/powerpoint/2010/main" val="1744323592"/>
+        <p14:creationId xmlns:p14="http://schemas.microsoft.com/office/powerpoint/2010/main" val="1190551762"/>
       </p:ext>
     </p:extLst>
   </p:cSld>
@@ -7360,7 +8979,7 @@
           <p:cNvPr id="2" name="Title 1">
             <a:extLst>
               <a:ext uri="{FF2B5EF4-FFF2-40B4-BE49-F238E27FC236}">
-                <a16:creationId xmlns:a16="http://schemas.microsoft.com/office/drawing/2014/main" id="{99478E23-BD1E-F245-8142-7C07E361D85B}"/>
+                <a16:creationId xmlns:a16="http://schemas.microsoft.com/office/drawing/2014/main" id="{BFBF0782-0FDA-FE4C-BD21-8DB96A10C70F}"/>
               </a:ext>
             </a:extLst>
           </p:cNvPr>
@@ -7382,7 +9001,289 @@
                 <a:latin typeface="Times New Roman" panose="02020603050405020304" pitchFamily="18" charset="0"/>
                 <a:cs typeface="Times New Roman" panose="02020603050405020304" pitchFamily="18" charset="0"/>
               </a:rPr>
-              <a:t>DEMO</a:t>
+              <a:t>CÀI ĐẶT</a:t>
+            </a:r>
+          </a:p>
+        </p:txBody>
+      </p:sp>
+      <p:sp>
+        <p:nvSpPr>
+          <p:cNvPr id="4" name="Rectangle 3">
+            <a:extLst>
+              <a:ext uri="{FF2B5EF4-FFF2-40B4-BE49-F238E27FC236}">
+                <a16:creationId xmlns:a16="http://schemas.microsoft.com/office/drawing/2014/main" id="{F97EDF4B-198D-024A-A20A-B68B60629CF7}"/>
+              </a:ext>
+            </a:extLst>
+          </p:cNvPr>
+          <p:cNvSpPr/>
+          <p:nvPr/>
+        </p:nvSpPr>
+        <p:spPr>
+          <a:xfrm>
+            <a:off x="2189018" y="2233205"/>
+            <a:ext cx="7204364" cy="2092881"/>
+          </a:xfrm>
+          <a:prstGeom prst="rect">
+            <a:avLst/>
+          </a:prstGeom>
+        </p:spPr>
+        <p:txBody>
+          <a:bodyPr wrap="square">
+            <a:spAutoFit/>
+          </a:bodyPr>
+          <a:lstStyle/>
+          <a:p>
+            <a:pPr marL="701040">
+              <a:spcBef>
+                <a:spcPts val="1800"/>
+              </a:spcBef>
+              <a:spcAft>
+                <a:spcPts val="0"/>
+              </a:spcAft>
+            </a:pPr>
+            <a:r>
+              <a:rPr lang="vi-VN" sz="2000" dirty="0">
+                <a:solidFill>
+                  <a:srgbClr val="000000"/>
+                </a:solidFill>
+                <a:effectLst>
+                  <a:outerShdw blurRad="38100" dist="19050" dir="2700000" algn="tl">
+                    <a:schemeClr val="dk1">
+                      <a:alpha val="40000"/>
+                    </a:schemeClr>
+                  </a:outerShdw>
+                </a:effectLst>
+                <a:latin typeface="Times New Roman" panose="02020603050405020304" pitchFamily="18" charset="0"/>
+                <a:ea typeface="Times New Roman" panose="02020603050405020304" pitchFamily="18" charset="0"/>
+                <a:cs typeface="Times New Roman" panose="02020603050405020304" pitchFamily="18" charset="0"/>
+              </a:rPr>
+              <a:t>Ứng dụng  viết bằng Xcode version 10.1 với ngôn ngữ Swift 3</a:t>
+            </a:r>
+            <a:endParaRPr lang="en-US" sz="2000" dirty="0">
+              <a:effectLst/>
+              <a:latin typeface="Times New Roman" panose="02020603050405020304" pitchFamily="18" charset="0"/>
+              <a:ea typeface="Times New Roman" panose="02020603050405020304" pitchFamily="18" charset="0"/>
+              <a:cs typeface="Times New Roman" panose="02020603050405020304" pitchFamily="18" charset="0"/>
+            </a:endParaRPr>
+          </a:p>
+          <a:p>
+            <a:pPr marL="701040">
+              <a:spcBef>
+                <a:spcPts val="1800"/>
+              </a:spcBef>
+            </a:pPr>
+            <a:r>
+              <a:rPr lang="vi-VN" sz="2000" dirty="0">
+                <a:solidFill>
+                  <a:srgbClr val="000000"/>
+                </a:solidFill>
+                <a:effectLst>
+                  <a:outerShdw blurRad="38100" dist="19050" dir="2700000" algn="tl">
+                    <a:schemeClr val="dk1">
+                      <a:alpha val="40000"/>
+                    </a:schemeClr>
+                  </a:outerShdw>
+                </a:effectLst>
+                <a:latin typeface="Times New Roman" panose="02020603050405020304" pitchFamily="18" charset="0"/>
+                <a:ea typeface="Times New Roman" panose="02020603050405020304" pitchFamily="18" charset="0"/>
+                <a:cs typeface="Times New Roman" panose="02020603050405020304" pitchFamily="18" charset="0"/>
+              </a:rPr>
+              <a:t>Với cơ sở quản lý cơ sở dữ liệu trên Mongodb version 4.0.4 và Firebase version 8.2</a:t>
+            </a:r>
+            <a:endParaRPr lang="en-US" sz="2000" dirty="0">
+              <a:effectLst/>
+              <a:latin typeface="Times New Roman" panose="02020603050405020304" pitchFamily="18" charset="0"/>
+              <a:ea typeface="Times New Roman" panose="02020603050405020304" pitchFamily="18" charset="0"/>
+              <a:cs typeface="Times New Roman" panose="02020603050405020304" pitchFamily="18" charset="0"/>
+            </a:endParaRPr>
+          </a:p>
+          <a:p>
+            <a:pPr marL="701040">
+              <a:spcBef>
+                <a:spcPts val="1800"/>
+              </a:spcBef>
+              <a:spcAft>
+                <a:spcPts val="0"/>
+              </a:spcAft>
+            </a:pPr>
+            <a:r>
+              <a:rPr lang="vi-VN" sz="2000" dirty="0">
+                <a:solidFill>
+                  <a:srgbClr val="000000"/>
+                </a:solidFill>
+                <a:effectLst>
+                  <a:outerShdw blurRad="38100" dist="19050" dir="2700000" algn="tl">
+                    <a:schemeClr val="dk1">
+                      <a:alpha val="40000"/>
+                    </a:schemeClr>
+                  </a:outerShdw>
+                </a:effectLst>
+                <a:latin typeface="Times New Roman" panose="02020603050405020304" pitchFamily="18" charset="0"/>
+                <a:ea typeface="Times New Roman" panose="02020603050405020304" pitchFamily="18" charset="0"/>
+                <a:cs typeface="Times New Roman" panose="02020603050405020304" pitchFamily="18" charset="0"/>
+              </a:rPr>
+              <a:t>Ngôn ngữ viết tráng web cho admin là Nodejs version 8.12.0</a:t>
+            </a:r>
+            <a:endParaRPr lang="en-US" sz="2000" dirty="0">
+              <a:effectLst/>
+              <a:latin typeface="Times New Roman" panose="02020603050405020304" pitchFamily="18" charset="0"/>
+              <a:ea typeface="Times New Roman" panose="02020603050405020304" pitchFamily="18" charset="0"/>
+              <a:cs typeface="Times New Roman" panose="02020603050405020304" pitchFamily="18" charset="0"/>
+            </a:endParaRPr>
+          </a:p>
+        </p:txBody>
+      </p:sp>
+      <p:pic>
+        <p:nvPicPr>
+          <p:cNvPr id="5" name="Picture 4">
+            <a:extLst>
+              <a:ext uri="{FF2B5EF4-FFF2-40B4-BE49-F238E27FC236}">
+                <a16:creationId xmlns:a16="http://schemas.microsoft.com/office/drawing/2014/main" id="{DC754E6B-63F5-8B4D-86BC-D6582B7E6C83}"/>
+              </a:ext>
+            </a:extLst>
+          </p:cNvPr>
+          <p:cNvPicPr>
+            <a:picLocks noChangeAspect="1"/>
+          </p:cNvPicPr>
+          <p:nvPr/>
+        </p:nvPicPr>
+        <p:blipFill>
+          <a:blip r:embed="rId2"/>
+          <a:stretch>
+            <a:fillRect/>
+          </a:stretch>
+        </p:blipFill>
+        <p:spPr>
+          <a:xfrm>
+            <a:off x="819150" y="4705537"/>
+            <a:ext cx="2019300" cy="1003300"/>
+          </a:xfrm>
+          <a:prstGeom prst="rect">
+            <a:avLst/>
+          </a:prstGeom>
+        </p:spPr>
+      </p:pic>
+      <p:pic>
+        <p:nvPicPr>
+          <p:cNvPr id="7" name="Picture 6">
+            <a:extLst>
+              <a:ext uri="{FF2B5EF4-FFF2-40B4-BE49-F238E27FC236}">
+                <a16:creationId xmlns:a16="http://schemas.microsoft.com/office/drawing/2014/main" id="{D9B5B65A-115F-6842-B0C9-053F0E9DAC93}"/>
+              </a:ext>
+            </a:extLst>
+          </p:cNvPr>
+          <p:cNvPicPr>
+            <a:picLocks noChangeAspect="1"/>
+          </p:cNvPicPr>
+          <p:nvPr/>
+        </p:nvPicPr>
+        <p:blipFill>
+          <a:blip r:embed="rId3"/>
+          <a:stretch>
+            <a:fillRect/>
+          </a:stretch>
+        </p:blipFill>
+        <p:spPr>
+          <a:xfrm>
+            <a:off x="3307682" y="4705537"/>
+            <a:ext cx="2730500" cy="1003300"/>
+          </a:xfrm>
+          <a:prstGeom prst="rect">
+            <a:avLst/>
+          </a:prstGeom>
+        </p:spPr>
+      </p:pic>
+      <p:pic>
+        <p:nvPicPr>
+          <p:cNvPr id="9" name="Picture 8">
+            <a:extLst>
+              <a:ext uri="{FF2B5EF4-FFF2-40B4-BE49-F238E27FC236}">
+                <a16:creationId xmlns:a16="http://schemas.microsoft.com/office/drawing/2014/main" id="{9DB728D2-2B32-634D-9429-887F70E29AE9}"/>
+              </a:ext>
+            </a:extLst>
+          </p:cNvPr>
+          <p:cNvPicPr>
+            <a:picLocks noChangeAspect="1"/>
+          </p:cNvPicPr>
+          <p:nvPr/>
+        </p:nvPicPr>
+        <p:blipFill>
+          <a:blip r:embed="rId4"/>
+          <a:stretch>
+            <a:fillRect/>
+          </a:stretch>
+        </p:blipFill>
+        <p:spPr>
+          <a:xfrm>
+            <a:off x="6253216" y="4352181"/>
+            <a:ext cx="2280013" cy="1710011"/>
+          </a:xfrm>
+          <a:prstGeom prst="rect">
+            <a:avLst/>
+          </a:prstGeom>
+        </p:spPr>
+      </p:pic>
+      <p:pic>
+        <p:nvPicPr>
+          <p:cNvPr id="11" name="Picture 10">
+            <a:extLst>
+              <a:ext uri="{FF2B5EF4-FFF2-40B4-BE49-F238E27FC236}">
+                <a16:creationId xmlns:a16="http://schemas.microsoft.com/office/drawing/2014/main" id="{8A0DAC24-69F0-8646-AE53-72B00BBE7BFC}"/>
+              </a:ext>
+            </a:extLst>
+          </p:cNvPr>
+          <p:cNvPicPr>
+            <a:picLocks noChangeAspect="1"/>
+          </p:cNvPicPr>
+          <p:nvPr/>
+        </p:nvPicPr>
+        <p:blipFill>
+          <a:blip r:embed="rId5"/>
+          <a:stretch>
+            <a:fillRect/>
+          </a:stretch>
+        </p:blipFill>
+        <p:spPr>
+          <a:xfrm>
+            <a:off x="9005454" y="4705537"/>
+            <a:ext cx="2324100" cy="863600"/>
+          </a:xfrm>
+          <a:prstGeom prst="rect">
+            <a:avLst/>
+          </a:prstGeom>
+        </p:spPr>
+      </p:pic>
+      <p:sp>
+        <p:nvSpPr>
+          <p:cNvPr id="12" name="TextBox 11">
+            <a:extLst>
+              <a:ext uri="{FF2B5EF4-FFF2-40B4-BE49-F238E27FC236}">
+                <a16:creationId xmlns:a16="http://schemas.microsoft.com/office/drawing/2014/main" id="{55128F5E-3F68-7B44-A8D2-928B87F354F9}"/>
+              </a:ext>
+            </a:extLst>
+          </p:cNvPr>
+          <p:cNvSpPr txBox="1"/>
+          <p:nvPr/>
+        </p:nvSpPr>
+        <p:spPr>
+          <a:xfrm>
+            <a:off x="10218204" y="5708837"/>
+            <a:ext cx="300082" cy="369332"/>
+          </a:xfrm>
+          <a:prstGeom prst="rect">
+            <a:avLst/>
+          </a:prstGeom>
+          <a:noFill/>
+        </p:spPr>
+        <p:txBody>
+          <a:bodyPr wrap="none" rtlCol="0">
+            <a:spAutoFit/>
+          </a:bodyPr>
+          <a:lstStyle/>
+          <a:p>
+            <a:r>
+              <a:rPr lang="en-US" dirty="0"/>
+              <a:t>8</a:t>
             </a:r>
           </a:p>
         </p:txBody>
@@ -7390,7 +9291,7 @@
     </p:spTree>
     <p:extLst>
       <p:ext uri="{BB962C8B-B14F-4D97-AF65-F5344CB8AC3E}">
-        <p14:creationId xmlns:p14="http://schemas.microsoft.com/office/powerpoint/2010/main" val="3977197553"/>
+        <p14:creationId xmlns:p14="http://schemas.microsoft.com/office/powerpoint/2010/main" val="1744323592"/>
       </p:ext>
     </p:extLst>
   </p:cSld>
